--- a/End Semester Project/Proposal.pptx
+++ b/End Semester Project/Proposal.pptx
@@ -114,15 +114,382 @@
       </a:defRPr>
     </a:lvl9pPr>
   </p:defaultTextStyle>
+  <p:extLst>
+    <p:ext uri="{EFAFB233-063F-42B5-8137-9DF3F51BA10A}">
+      <p15:sldGuideLst xmlns:p15="http://schemas.microsoft.com/office/powerpoint/2012/main"/>
+    </p:ext>
+  </p:extLst>
 </p:presentation>
 </file>
 
 <file path=ppt/revisionInfo.xml><?xml version="1.0" encoding="utf-8"?>
 <p1510:revInfo xmlns:a="http://schemas.openxmlformats.org/drawingml/2006/main" xmlns:r="http://schemas.openxmlformats.org/officeDocument/2006/relationships" xmlns:p1510="http://schemas.microsoft.com/office/powerpoint/2015/10/main">
   <p1510:revLst>
-    <p1510:client id="{A16D110F-50C7-9B45-94F4-7E2B613DA5D8}" v="391" dt="2025-12-08T19:07:45.326"/>
+    <p1510:client id="{A16D110F-50C7-9B45-94F4-7E2B613DA5D8}" v="605" dt="2025-12-09T09:45:40.240"/>
   </p1510:revLst>
 </p1510:revInfo>
+</file>
+
+<file path=ppt/changesInfos/changesInfo1.xml><?xml version="1.0" encoding="utf-8"?>
+<pc:chgInfo xmlns:a="http://schemas.openxmlformats.org/drawingml/2006/main" xmlns:r="http://schemas.openxmlformats.org/officeDocument/2006/relationships" xmlns:ac="http://schemas.microsoft.com/office/drawing/2013/main/command" xmlns:pc="http://schemas.microsoft.com/office/powerpoint/2013/main/command">
+  <pc:docChgLst>
+    <pc:chgData name="Muhammad Mujtaba" userId="8282052c-ac73-4e11-8986-30cb351d257d" providerId="ADAL" clId="{2332D8B1-0269-5C49-9A30-6576F6819AF1}"/>
+    <pc:docChg chg="undo custSel modSld modMainMaster">
+      <pc:chgData name="Muhammad Mujtaba" userId="8282052c-ac73-4e11-8986-30cb351d257d" providerId="ADAL" clId="{2332D8B1-0269-5C49-9A30-6576F6819AF1}" dt="2025-12-09T09:46:50.503" v="241"/>
+      <pc:docMkLst>
+        <pc:docMk/>
+      </pc:docMkLst>
+      <pc:sldChg chg="addSp delSp modSp mod modTransition">
+        <pc:chgData name="Muhammad Mujtaba" userId="8282052c-ac73-4e11-8986-30cb351d257d" providerId="ADAL" clId="{2332D8B1-0269-5C49-9A30-6576F6819AF1}" dt="2025-12-09T09:46:50.503" v="241"/>
+        <pc:sldMkLst>
+          <pc:docMk/>
+          <pc:sldMk cId="2284635973" sldId="256"/>
+        </pc:sldMkLst>
+        <pc:spChg chg="add del">
+          <ac:chgData name="Muhammad Mujtaba" userId="8282052c-ac73-4e11-8986-30cb351d257d" providerId="ADAL" clId="{2332D8B1-0269-5C49-9A30-6576F6819AF1}" dt="2025-12-09T04:16:33.753" v="2" actId="26606"/>
+          <ac:spMkLst>
+            <pc:docMk/>
+            <pc:sldMk cId="2284635973" sldId="256"/>
+            <ac:spMk id="64" creationId="{989BE678-777B-482A-A616-FEDC47B162E5}"/>
+          </ac:spMkLst>
+        </pc:spChg>
+        <pc:spChg chg="add del">
+          <ac:chgData name="Muhammad Mujtaba" userId="8282052c-ac73-4e11-8986-30cb351d257d" providerId="ADAL" clId="{2332D8B1-0269-5C49-9A30-6576F6819AF1}" dt="2025-12-09T04:16:33.753" v="2" actId="26606"/>
+          <ac:spMkLst>
+            <pc:docMk/>
+            <pc:sldMk cId="2284635973" sldId="256"/>
+            <ac:spMk id="67" creationId="{D28BE0C3-2102-4820-B88B-A448B1840D14}"/>
+          </ac:spMkLst>
+        </pc:spChg>
+        <pc:spChg chg="add del">
+          <ac:chgData name="Muhammad Mujtaba" userId="8282052c-ac73-4e11-8986-30cb351d257d" providerId="ADAL" clId="{2332D8B1-0269-5C49-9A30-6576F6819AF1}" dt="2025-12-09T04:16:33.753" v="2" actId="26606"/>
+          <ac:spMkLst>
+            <pc:docMk/>
+            <pc:sldMk cId="2284635973" sldId="256"/>
+            <ac:spMk id="69" creationId="{C885E190-58DD-42DD-A4A8-401E15C92A52}"/>
+          </ac:spMkLst>
+        </pc:spChg>
+        <pc:spChg chg="add">
+          <ac:chgData name="Muhammad Mujtaba" userId="8282052c-ac73-4e11-8986-30cb351d257d" providerId="ADAL" clId="{2332D8B1-0269-5C49-9A30-6576F6819AF1}" dt="2025-12-09T04:16:33.753" v="2" actId="26606"/>
+          <ac:spMkLst>
+            <pc:docMk/>
+            <pc:sldMk cId="2284635973" sldId="256"/>
+            <ac:spMk id="73" creationId="{989BE678-777B-482A-A616-FEDC47B162E5}"/>
+          </ac:spMkLst>
+        </pc:spChg>
+        <pc:spChg chg="add del">
+          <ac:chgData name="Muhammad Mujtaba" userId="8282052c-ac73-4e11-8986-30cb351d257d" providerId="ADAL" clId="{2332D8B1-0269-5C49-9A30-6576F6819AF1}" dt="2025-12-09T04:16:32.012" v="1" actId="26606"/>
+          <ac:spMkLst>
+            <pc:docMk/>
+            <pc:sldMk cId="2284635973" sldId="256"/>
+            <ac:spMk id="78" creationId="{989BE678-777B-482A-A616-FEDC47B162E5}"/>
+          </ac:spMkLst>
+        </pc:spChg>
+        <pc:spChg chg="add">
+          <ac:chgData name="Muhammad Mujtaba" userId="8282052c-ac73-4e11-8986-30cb351d257d" providerId="ADAL" clId="{2332D8B1-0269-5C49-9A30-6576F6819AF1}" dt="2025-12-09T04:16:33.753" v="2" actId="26606"/>
+          <ac:spMkLst>
+            <pc:docMk/>
+            <pc:sldMk cId="2284635973" sldId="256"/>
+            <ac:spMk id="79" creationId="{D28BE0C3-2102-4820-B88B-A448B1840D14}"/>
+          </ac:spMkLst>
+        </pc:spChg>
+        <pc:spChg chg="add">
+          <ac:chgData name="Muhammad Mujtaba" userId="8282052c-ac73-4e11-8986-30cb351d257d" providerId="ADAL" clId="{2332D8B1-0269-5C49-9A30-6576F6819AF1}" dt="2025-12-09T04:16:33.753" v="2" actId="26606"/>
+          <ac:spMkLst>
+            <pc:docMk/>
+            <pc:sldMk cId="2284635973" sldId="256"/>
+            <ac:spMk id="81" creationId="{C885E190-58DD-42DD-A4A8-401E15C92A52}"/>
+          </ac:spMkLst>
+        </pc:spChg>
+        <pc:spChg chg="add del">
+          <ac:chgData name="Muhammad Mujtaba" userId="8282052c-ac73-4e11-8986-30cb351d257d" providerId="ADAL" clId="{2332D8B1-0269-5C49-9A30-6576F6819AF1}" dt="2025-12-09T04:16:32.012" v="1" actId="26606"/>
+          <ac:spMkLst>
+            <pc:docMk/>
+            <pc:sldMk cId="2284635973" sldId="256"/>
+            <ac:spMk id="84" creationId="{D28BE0C3-2102-4820-B88B-A448B1840D14}"/>
+          </ac:spMkLst>
+        </pc:spChg>
+        <pc:spChg chg="add del">
+          <ac:chgData name="Muhammad Mujtaba" userId="8282052c-ac73-4e11-8986-30cb351d257d" providerId="ADAL" clId="{2332D8B1-0269-5C49-9A30-6576F6819AF1}" dt="2025-12-09T04:16:32.012" v="1" actId="26606"/>
+          <ac:spMkLst>
+            <pc:docMk/>
+            <pc:sldMk cId="2284635973" sldId="256"/>
+            <ac:spMk id="86" creationId="{C885E190-58DD-42DD-A4A8-401E15C92A52}"/>
+          </ac:spMkLst>
+        </pc:spChg>
+        <pc:picChg chg="add del">
+          <ac:chgData name="Muhammad Mujtaba" userId="8282052c-ac73-4e11-8986-30cb351d257d" providerId="ADAL" clId="{2332D8B1-0269-5C49-9A30-6576F6819AF1}" dt="2025-12-09T04:16:33.753" v="2" actId="26606"/>
+          <ac:picMkLst>
+            <pc:docMk/>
+            <pc:sldMk cId="2284635973" sldId="256"/>
+            <ac:picMk id="63" creationId="{950648F4-ABCD-4DF0-8641-76CFB2354721}"/>
+          </ac:picMkLst>
+        </pc:picChg>
+        <pc:picChg chg="add del">
+          <ac:chgData name="Muhammad Mujtaba" userId="8282052c-ac73-4e11-8986-30cb351d257d" providerId="ADAL" clId="{2332D8B1-0269-5C49-9A30-6576F6819AF1}" dt="2025-12-09T04:16:32.012" v="1" actId="26606"/>
+          <ac:picMkLst>
+            <pc:docMk/>
+            <pc:sldMk cId="2284635973" sldId="256"/>
+            <ac:picMk id="65" creationId="{CF1EB4BD-9C7E-4AA3-9681-C7EB0DA6250B}"/>
+          </ac:picMkLst>
+        </pc:picChg>
+        <pc:picChg chg="add del">
+          <ac:chgData name="Muhammad Mujtaba" userId="8282052c-ac73-4e11-8986-30cb351d257d" providerId="ADAL" clId="{2332D8B1-0269-5C49-9A30-6576F6819AF1}" dt="2025-12-09T04:16:33.753" v="2" actId="26606"/>
+          <ac:picMkLst>
+            <pc:docMk/>
+            <pc:sldMk cId="2284635973" sldId="256"/>
+            <ac:picMk id="66" creationId="{94AAE3AA-3759-4D28-B0EF-575F25A5146C}"/>
+          </ac:picMkLst>
+        </pc:picChg>
+        <pc:picChg chg="add">
+          <ac:chgData name="Muhammad Mujtaba" userId="8282052c-ac73-4e11-8986-30cb351d257d" providerId="ADAL" clId="{2332D8B1-0269-5C49-9A30-6576F6819AF1}" dt="2025-12-09T04:16:33.753" v="2" actId="26606"/>
+          <ac:picMkLst>
+            <pc:docMk/>
+            <pc:sldMk cId="2284635973" sldId="256"/>
+            <ac:picMk id="71" creationId="{DF19BAF3-7E20-4B9D-B544-BABAEEA1FA75}"/>
+          </ac:picMkLst>
+        </pc:picChg>
+        <pc:picChg chg="add">
+          <ac:chgData name="Muhammad Mujtaba" userId="8282052c-ac73-4e11-8986-30cb351d257d" providerId="ADAL" clId="{2332D8B1-0269-5C49-9A30-6576F6819AF1}" dt="2025-12-09T04:16:33.753" v="2" actId="26606"/>
+          <ac:picMkLst>
+            <pc:docMk/>
+            <pc:sldMk cId="2284635973" sldId="256"/>
+            <ac:picMk id="72" creationId="{950648F4-ABCD-4DF0-8641-76CFB2354721}"/>
+          </ac:picMkLst>
+        </pc:picChg>
+        <pc:picChg chg="add del">
+          <ac:chgData name="Muhammad Mujtaba" userId="8282052c-ac73-4e11-8986-30cb351d257d" providerId="ADAL" clId="{2332D8B1-0269-5C49-9A30-6576F6819AF1}" dt="2025-12-09T04:16:32.012" v="1" actId="26606"/>
+          <ac:picMkLst>
+            <pc:docMk/>
+            <pc:sldMk cId="2284635973" sldId="256"/>
+            <ac:picMk id="82" creationId="{94AAE3AA-3759-4D28-B0EF-575F25A5146C}"/>
+          </ac:picMkLst>
+        </pc:picChg>
+      </pc:sldChg>
+      <pc:sldChg chg="modTransition modAnim">
+        <pc:chgData name="Muhammad Mujtaba" userId="8282052c-ac73-4e11-8986-30cb351d257d" providerId="ADAL" clId="{2332D8B1-0269-5C49-9A30-6576F6819AF1}" dt="2025-12-09T09:46:50.503" v="241"/>
+        <pc:sldMkLst>
+          <pc:docMk/>
+          <pc:sldMk cId="1161310045" sldId="257"/>
+        </pc:sldMkLst>
+      </pc:sldChg>
+      <pc:sldChg chg="modTransition modAnim">
+        <pc:chgData name="Muhammad Mujtaba" userId="8282052c-ac73-4e11-8986-30cb351d257d" providerId="ADAL" clId="{2332D8B1-0269-5C49-9A30-6576F6819AF1}" dt="2025-12-09T09:46:50.503" v="241"/>
+        <pc:sldMkLst>
+          <pc:docMk/>
+          <pc:sldMk cId="866226655" sldId="258"/>
+        </pc:sldMkLst>
+      </pc:sldChg>
+      <pc:sldChg chg="modTransition modAnim">
+        <pc:chgData name="Muhammad Mujtaba" userId="8282052c-ac73-4e11-8986-30cb351d257d" providerId="ADAL" clId="{2332D8B1-0269-5C49-9A30-6576F6819AF1}" dt="2025-12-09T09:46:50.503" v="241"/>
+        <pc:sldMkLst>
+          <pc:docMk/>
+          <pc:sldMk cId="800610224" sldId="259"/>
+        </pc:sldMkLst>
+      </pc:sldChg>
+      <pc:sldChg chg="modSp modTransition modAnim">
+        <pc:chgData name="Muhammad Mujtaba" userId="8282052c-ac73-4e11-8986-30cb351d257d" providerId="ADAL" clId="{2332D8B1-0269-5C49-9A30-6576F6819AF1}" dt="2025-12-09T09:46:50.503" v="241"/>
+        <pc:sldMkLst>
+          <pc:docMk/>
+          <pc:sldMk cId="1060090898" sldId="260"/>
+        </pc:sldMkLst>
+        <pc:graphicFrameChg chg="mod">
+          <ac:chgData name="Muhammad Mujtaba" userId="8282052c-ac73-4e11-8986-30cb351d257d" providerId="ADAL" clId="{2332D8B1-0269-5C49-9A30-6576F6819AF1}" dt="2025-12-09T08:38:24.363" v="230" actId="20577"/>
+          <ac:graphicFrameMkLst>
+            <pc:docMk/>
+            <pc:sldMk cId="1060090898" sldId="260"/>
+            <ac:graphicFrameMk id="17" creationId="{834FC025-A57B-BC20-9086-7FF26624E1BE}"/>
+          </ac:graphicFrameMkLst>
+        </pc:graphicFrameChg>
+      </pc:sldChg>
+      <pc:sldChg chg="modTransition modAnim">
+        <pc:chgData name="Muhammad Mujtaba" userId="8282052c-ac73-4e11-8986-30cb351d257d" providerId="ADAL" clId="{2332D8B1-0269-5C49-9A30-6576F6819AF1}" dt="2025-12-09T09:46:50.503" v="241"/>
+        <pc:sldMkLst>
+          <pc:docMk/>
+          <pc:sldMk cId="2229285889" sldId="261"/>
+        </pc:sldMkLst>
+      </pc:sldChg>
+      <pc:sldChg chg="modTransition modAnim">
+        <pc:chgData name="Muhammad Mujtaba" userId="8282052c-ac73-4e11-8986-30cb351d257d" providerId="ADAL" clId="{2332D8B1-0269-5C49-9A30-6576F6819AF1}" dt="2025-12-09T09:46:50.503" v="241"/>
+        <pc:sldMkLst>
+          <pc:docMk/>
+          <pc:sldMk cId="841628913" sldId="262"/>
+        </pc:sldMkLst>
+      </pc:sldChg>
+      <pc:sldChg chg="modTransition modAnim">
+        <pc:chgData name="Muhammad Mujtaba" userId="8282052c-ac73-4e11-8986-30cb351d257d" providerId="ADAL" clId="{2332D8B1-0269-5C49-9A30-6576F6819AF1}" dt="2025-12-09T09:46:50.503" v="241"/>
+        <pc:sldMkLst>
+          <pc:docMk/>
+          <pc:sldMk cId="694235967" sldId="263"/>
+        </pc:sldMkLst>
+      </pc:sldChg>
+      <pc:sldChg chg="modTransition modAnim">
+        <pc:chgData name="Muhammad Mujtaba" userId="8282052c-ac73-4e11-8986-30cb351d257d" providerId="ADAL" clId="{2332D8B1-0269-5C49-9A30-6576F6819AF1}" dt="2025-12-09T09:46:50.503" v="241"/>
+        <pc:sldMkLst>
+          <pc:docMk/>
+          <pc:sldMk cId="3886120047" sldId="264"/>
+        </pc:sldMkLst>
+      </pc:sldChg>
+      <pc:sldChg chg="modTransition modAnim">
+        <pc:chgData name="Muhammad Mujtaba" userId="8282052c-ac73-4e11-8986-30cb351d257d" providerId="ADAL" clId="{2332D8B1-0269-5C49-9A30-6576F6819AF1}" dt="2025-12-09T09:46:50.503" v="241"/>
+        <pc:sldMkLst>
+          <pc:docMk/>
+          <pc:sldMk cId="2675205845" sldId="265"/>
+        </pc:sldMkLst>
+      </pc:sldChg>
+      <pc:sldChg chg="modTransition modAnim">
+        <pc:chgData name="Muhammad Mujtaba" userId="8282052c-ac73-4e11-8986-30cb351d257d" providerId="ADAL" clId="{2332D8B1-0269-5C49-9A30-6576F6819AF1}" dt="2025-12-09T09:46:50.503" v="241"/>
+        <pc:sldMkLst>
+          <pc:docMk/>
+          <pc:sldMk cId="2818910915" sldId="266"/>
+        </pc:sldMkLst>
+      </pc:sldChg>
+      <pc:sldMasterChg chg="modTransition modSldLayout">
+        <pc:chgData name="Muhammad Mujtaba" userId="8282052c-ac73-4e11-8986-30cb351d257d" providerId="ADAL" clId="{2332D8B1-0269-5C49-9A30-6576F6819AF1}" dt="2025-12-09T09:46:50.503" v="241"/>
+        <pc:sldMasterMkLst>
+          <pc:docMk/>
+          <pc:sldMasterMk cId="3066972500" sldId="2147483660"/>
+        </pc:sldMasterMkLst>
+        <pc:sldLayoutChg chg="modTransition">
+          <pc:chgData name="Muhammad Mujtaba" userId="8282052c-ac73-4e11-8986-30cb351d257d" providerId="ADAL" clId="{2332D8B1-0269-5C49-9A30-6576F6819AF1}" dt="2025-12-09T09:46:50.503" v="241"/>
+          <pc:sldLayoutMkLst>
+            <pc:docMk/>
+            <pc:sldMasterMk cId="3066972500" sldId="2147483660"/>
+            <pc:sldLayoutMk cId="1339328329" sldId="2147483661"/>
+          </pc:sldLayoutMkLst>
+        </pc:sldLayoutChg>
+        <pc:sldLayoutChg chg="modTransition">
+          <pc:chgData name="Muhammad Mujtaba" userId="8282052c-ac73-4e11-8986-30cb351d257d" providerId="ADAL" clId="{2332D8B1-0269-5C49-9A30-6576F6819AF1}" dt="2025-12-09T09:46:50.503" v="241"/>
+          <pc:sldLayoutMkLst>
+            <pc:docMk/>
+            <pc:sldMasterMk cId="3066972500" sldId="2147483660"/>
+            <pc:sldLayoutMk cId="3924211862" sldId="2147483662"/>
+          </pc:sldLayoutMkLst>
+        </pc:sldLayoutChg>
+        <pc:sldLayoutChg chg="modTransition">
+          <pc:chgData name="Muhammad Mujtaba" userId="8282052c-ac73-4e11-8986-30cb351d257d" providerId="ADAL" clId="{2332D8B1-0269-5C49-9A30-6576F6819AF1}" dt="2025-12-09T09:46:50.503" v="241"/>
+          <pc:sldLayoutMkLst>
+            <pc:docMk/>
+            <pc:sldMasterMk cId="3066972500" sldId="2147483660"/>
+            <pc:sldLayoutMk cId="375181903" sldId="2147483663"/>
+          </pc:sldLayoutMkLst>
+        </pc:sldLayoutChg>
+        <pc:sldLayoutChg chg="modTransition">
+          <pc:chgData name="Muhammad Mujtaba" userId="8282052c-ac73-4e11-8986-30cb351d257d" providerId="ADAL" clId="{2332D8B1-0269-5C49-9A30-6576F6819AF1}" dt="2025-12-09T09:46:50.503" v="241"/>
+          <pc:sldLayoutMkLst>
+            <pc:docMk/>
+            <pc:sldMasterMk cId="3066972500" sldId="2147483660"/>
+            <pc:sldLayoutMk cId="1599667441" sldId="2147483664"/>
+          </pc:sldLayoutMkLst>
+        </pc:sldLayoutChg>
+        <pc:sldLayoutChg chg="modTransition">
+          <pc:chgData name="Muhammad Mujtaba" userId="8282052c-ac73-4e11-8986-30cb351d257d" providerId="ADAL" clId="{2332D8B1-0269-5C49-9A30-6576F6819AF1}" dt="2025-12-09T09:46:50.503" v="241"/>
+          <pc:sldLayoutMkLst>
+            <pc:docMk/>
+            <pc:sldMasterMk cId="3066972500" sldId="2147483660"/>
+            <pc:sldLayoutMk cId="965519635" sldId="2147483665"/>
+          </pc:sldLayoutMkLst>
+        </pc:sldLayoutChg>
+        <pc:sldLayoutChg chg="modTransition">
+          <pc:chgData name="Muhammad Mujtaba" userId="8282052c-ac73-4e11-8986-30cb351d257d" providerId="ADAL" clId="{2332D8B1-0269-5C49-9A30-6576F6819AF1}" dt="2025-12-09T09:46:50.503" v="241"/>
+          <pc:sldLayoutMkLst>
+            <pc:docMk/>
+            <pc:sldMasterMk cId="3066972500" sldId="2147483660"/>
+            <pc:sldLayoutMk cId="713740050" sldId="2147483666"/>
+          </pc:sldLayoutMkLst>
+        </pc:sldLayoutChg>
+        <pc:sldLayoutChg chg="modTransition">
+          <pc:chgData name="Muhammad Mujtaba" userId="8282052c-ac73-4e11-8986-30cb351d257d" providerId="ADAL" clId="{2332D8B1-0269-5C49-9A30-6576F6819AF1}" dt="2025-12-09T09:46:50.503" v="241"/>
+          <pc:sldLayoutMkLst>
+            <pc:docMk/>
+            <pc:sldMasterMk cId="3066972500" sldId="2147483660"/>
+            <pc:sldLayoutMk cId="3172544566" sldId="2147483667"/>
+          </pc:sldLayoutMkLst>
+        </pc:sldLayoutChg>
+        <pc:sldLayoutChg chg="modTransition">
+          <pc:chgData name="Muhammad Mujtaba" userId="8282052c-ac73-4e11-8986-30cb351d257d" providerId="ADAL" clId="{2332D8B1-0269-5C49-9A30-6576F6819AF1}" dt="2025-12-09T09:46:50.503" v="241"/>
+          <pc:sldLayoutMkLst>
+            <pc:docMk/>
+            <pc:sldMasterMk cId="3066972500" sldId="2147483660"/>
+            <pc:sldLayoutMk cId="1999167569" sldId="2147483668"/>
+          </pc:sldLayoutMkLst>
+        </pc:sldLayoutChg>
+        <pc:sldLayoutChg chg="modTransition">
+          <pc:chgData name="Muhammad Mujtaba" userId="8282052c-ac73-4e11-8986-30cb351d257d" providerId="ADAL" clId="{2332D8B1-0269-5C49-9A30-6576F6819AF1}" dt="2025-12-09T09:46:50.503" v="241"/>
+          <pc:sldLayoutMkLst>
+            <pc:docMk/>
+            <pc:sldMasterMk cId="3066972500" sldId="2147483660"/>
+            <pc:sldLayoutMk cId="2873142711" sldId="2147483669"/>
+          </pc:sldLayoutMkLst>
+        </pc:sldLayoutChg>
+        <pc:sldLayoutChg chg="modTransition">
+          <pc:chgData name="Muhammad Mujtaba" userId="8282052c-ac73-4e11-8986-30cb351d257d" providerId="ADAL" clId="{2332D8B1-0269-5C49-9A30-6576F6819AF1}" dt="2025-12-09T09:46:50.503" v="241"/>
+          <pc:sldLayoutMkLst>
+            <pc:docMk/>
+            <pc:sldMasterMk cId="3066972500" sldId="2147483660"/>
+            <pc:sldLayoutMk cId="4034588696" sldId="2147483670"/>
+          </pc:sldLayoutMkLst>
+        </pc:sldLayoutChg>
+        <pc:sldLayoutChg chg="modTransition">
+          <pc:chgData name="Muhammad Mujtaba" userId="8282052c-ac73-4e11-8986-30cb351d257d" providerId="ADAL" clId="{2332D8B1-0269-5C49-9A30-6576F6819AF1}" dt="2025-12-09T09:46:50.503" v="241"/>
+          <pc:sldLayoutMkLst>
+            <pc:docMk/>
+            <pc:sldMasterMk cId="3066972500" sldId="2147483660"/>
+            <pc:sldLayoutMk cId="1527812891" sldId="2147483671"/>
+          </pc:sldLayoutMkLst>
+        </pc:sldLayoutChg>
+        <pc:sldLayoutChg chg="modTransition">
+          <pc:chgData name="Muhammad Mujtaba" userId="8282052c-ac73-4e11-8986-30cb351d257d" providerId="ADAL" clId="{2332D8B1-0269-5C49-9A30-6576F6819AF1}" dt="2025-12-09T09:46:50.503" v="241"/>
+          <pc:sldLayoutMkLst>
+            <pc:docMk/>
+            <pc:sldMasterMk cId="3066972500" sldId="2147483660"/>
+            <pc:sldLayoutMk cId="3832897973" sldId="2147483672"/>
+          </pc:sldLayoutMkLst>
+        </pc:sldLayoutChg>
+        <pc:sldLayoutChg chg="modTransition">
+          <pc:chgData name="Muhammad Mujtaba" userId="8282052c-ac73-4e11-8986-30cb351d257d" providerId="ADAL" clId="{2332D8B1-0269-5C49-9A30-6576F6819AF1}" dt="2025-12-09T09:46:50.503" v="241"/>
+          <pc:sldLayoutMkLst>
+            <pc:docMk/>
+            <pc:sldMasterMk cId="3066972500" sldId="2147483660"/>
+            <pc:sldLayoutMk cId="5169465" sldId="2147483673"/>
+          </pc:sldLayoutMkLst>
+        </pc:sldLayoutChg>
+        <pc:sldLayoutChg chg="modTransition">
+          <pc:chgData name="Muhammad Mujtaba" userId="8282052c-ac73-4e11-8986-30cb351d257d" providerId="ADAL" clId="{2332D8B1-0269-5C49-9A30-6576F6819AF1}" dt="2025-12-09T09:46:50.503" v="241"/>
+          <pc:sldLayoutMkLst>
+            <pc:docMk/>
+            <pc:sldMasterMk cId="3066972500" sldId="2147483660"/>
+            <pc:sldLayoutMk cId="706288501" sldId="2147483674"/>
+          </pc:sldLayoutMkLst>
+        </pc:sldLayoutChg>
+        <pc:sldLayoutChg chg="modTransition">
+          <pc:chgData name="Muhammad Mujtaba" userId="8282052c-ac73-4e11-8986-30cb351d257d" providerId="ADAL" clId="{2332D8B1-0269-5C49-9A30-6576F6819AF1}" dt="2025-12-09T09:46:50.503" v="241"/>
+          <pc:sldLayoutMkLst>
+            <pc:docMk/>
+            <pc:sldMasterMk cId="3066972500" sldId="2147483660"/>
+            <pc:sldLayoutMk cId="3743160272" sldId="2147483675"/>
+          </pc:sldLayoutMkLst>
+        </pc:sldLayoutChg>
+        <pc:sldLayoutChg chg="modTransition">
+          <pc:chgData name="Muhammad Mujtaba" userId="8282052c-ac73-4e11-8986-30cb351d257d" providerId="ADAL" clId="{2332D8B1-0269-5C49-9A30-6576F6819AF1}" dt="2025-12-09T09:46:50.503" v="241"/>
+          <pc:sldLayoutMkLst>
+            <pc:docMk/>
+            <pc:sldMasterMk cId="3066972500" sldId="2147483660"/>
+            <pc:sldLayoutMk cId="4236588195" sldId="2147483676"/>
+          </pc:sldLayoutMkLst>
+        </pc:sldLayoutChg>
+        <pc:sldLayoutChg chg="modTransition">
+          <pc:chgData name="Muhammad Mujtaba" userId="8282052c-ac73-4e11-8986-30cb351d257d" providerId="ADAL" clId="{2332D8B1-0269-5C49-9A30-6576F6819AF1}" dt="2025-12-09T09:46:50.503" v="241"/>
+          <pc:sldLayoutMkLst>
+            <pc:docMk/>
+            <pc:sldMasterMk cId="3066972500" sldId="2147483660"/>
+            <pc:sldLayoutMk cId="3221770812" sldId="2147483677"/>
+          </pc:sldLayoutMkLst>
+        </pc:sldLayoutChg>
+      </pc:sldMasterChg>
+    </pc:docChg>
+  </pc:docChgLst>
+</pc:chgInfo>
 </file>
 
 <file path=ppt/diagrams/colors1.xml><?xml version="1.0" encoding="utf-8"?>
@@ -8002,10 +8369,10 @@
             <a:defRPr b="1"/>
           </a:pPr>
           <a:r>
-            <a:rPr lang="en-US" b="0" i="0"/>
+            <a:rPr lang="en-US" b="0" i="0" dirty="0"/>
             <a:t>Traffic congestion at intersections is a common issue in urban areas.</a:t>
           </a:r>
-          <a:endParaRPr lang="en-US"/>
+          <a:endParaRPr lang="en-US" dirty="0"/>
         </a:p>
       </dgm:t>
     </dgm:pt>
@@ -8272,7 +8639,7 @@
         <a:lstStyle/>
         <a:p>
           <a:r>
-            <a:rPr lang="en-US"/>
+            <a:rPr lang="en-US" dirty="0"/>
             <a:t>1</a:t>
           </a:r>
         </a:p>
@@ -9435,7 +9802,7 @@
             <a:defRPr cap="all"/>
           </a:pPr>
           <a:r>
-            <a:rPr lang="en-US"/>
+            <a:rPr lang="en-US" dirty="0"/>
             <a:t>Modular Design</a:t>
           </a:r>
         </a:p>
@@ -11076,10 +11443,10 @@
             <a:defRPr b="1"/>
           </a:pPr>
           <a:r>
-            <a:rPr lang="en-US" sz="1700" b="0" i="0" kern="1200"/>
+            <a:rPr lang="en-US" sz="1700" b="0" i="0" kern="1200" dirty="0"/>
             <a:t>Traffic congestion at intersections is a common issue in urban areas.</a:t>
           </a:r>
-          <a:endParaRPr lang="en-US" sz="1700" kern="1200"/>
+          <a:endParaRPr lang="en-US" sz="1700" kern="1200" dirty="0"/>
         </a:p>
       </dsp:txBody>
       <dsp:txXfrm>
@@ -11420,7 +11787,7 @@
             <a:buNone/>
           </a:pPr>
           <a:r>
-            <a:rPr lang="en-US" sz="4800" kern="1200"/>
+            <a:rPr lang="en-US" sz="4800" kern="1200" dirty="0"/>
             <a:t>1</a:t>
           </a:r>
         </a:p>
@@ -13254,7 +13621,7 @@
             <a:defRPr cap="all"/>
           </a:pPr>
           <a:r>
-            <a:rPr lang="en-US" sz="1300" kern="1200"/>
+            <a:rPr lang="en-US" sz="1300" kern="1200" dirty="0"/>
             <a:t>Modular Design</a:t>
           </a:r>
         </a:p>
@@ -26407,7 +26774,7 @@
           <a:p>
             <a:fld id="{91DAACB2-52C1-0C4A-8F48-50DD6BC8A363}" type="datetimeFigureOut">
               <a:rPr lang="en-US" smtClean="0"/>
-              <a:t>12/8/25</a:t>
+              <a:t>12/9/25</a:t>
             </a:fld>
             <a:endParaRPr lang="en-US"/>
           </a:p>
@@ -26465,6 +26832,18 @@
   <p:clrMapOvr>
     <a:masterClrMapping/>
   </p:clrMapOvr>
+  <mc:AlternateContent xmlns:mc="http://schemas.openxmlformats.org/markup-compatibility/2006">
+    <mc:Choice xmlns:p14="http://schemas.microsoft.com/office/powerpoint/2010/main" Requires="p14">
+      <p:transition spd="med" p14:dur="700">
+        <p:fade/>
+      </p:transition>
+    </mc:Choice>
+    <mc:Fallback>
+      <p:transition spd="med">
+        <p:fade/>
+      </p:transition>
+    </mc:Fallback>
+  </mc:AlternateContent>
 </p:sldLayout>
 </file>
 
@@ -26682,7 +27061,7 @@
           <a:p>
             <a:fld id="{91DAACB2-52C1-0C4A-8F48-50DD6BC8A363}" type="datetimeFigureOut">
               <a:rPr lang="en-US" smtClean="0"/>
-              <a:t>12/8/25</a:t>
+              <a:t>12/9/25</a:t>
             </a:fld>
             <a:endParaRPr lang="en-US"/>
           </a:p>
@@ -26740,6 +27119,18 @@
   <p:clrMapOvr>
     <a:masterClrMapping/>
   </p:clrMapOvr>
+  <mc:AlternateContent xmlns:mc="http://schemas.openxmlformats.org/markup-compatibility/2006">
+    <mc:Choice xmlns:p14="http://schemas.microsoft.com/office/powerpoint/2010/main" Requires="p14">
+      <p:transition spd="med" p14:dur="700">
+        <p:fade/>
+      </p:transition>
+    </mc:Choice>
+    <mc:Fallback>
+      <p:transition spd="med">
+        <p:fade/>
+      </p:transition>
+    </mc:Fallback>
+  </mc:AlternateContent>
 </p:sldLayout>
 </file>
 
@@ -26876,7 +27267,7 @@
           <a:p>
             <a:fld id="{91DAACB2-52C1-0C4A-8F48-50DD6BC8A363}" type="datetimeFigureOut">
               <a:rPr lang="en-US" smtClean="0"/>
-              <a:t>12/8/25</a:t>
+              <a:t>12/9/25</a:t>
             </a:fld>
             <a:endParaRPr lang="en-US"/>
           </a:p>
@@ -26934,6 +27325,18 @@
   <p:clrMapOvr>
     <a:masterClrMapping/>
   </p:clrMapOvr>
+  <mc:AlternateContent xmlns:mc="http://schemas.openxmlformats.org/markup-compatibility/2006">
+    <mc:Choice xmlns:p14="http://schemas.microsoft.com/office/powerpoint/2010/main" Requires="p14">
+      <p:transition spd="med" p14:dur="700">
+        <p:fade/>
+      </p:transition>
+    </mc:Choice>
+    <mc:Fallback>
+      <p:transition spd="med">
+        <p:fade/>
+      </p:transition>
+    </mc:Fallback>
+  </mc:AlternateContent>
 </p:sldLayout>
 </file>
 
@@ -27149,7 +27552,7 @@
           <a:p>
             <a:fld id="{91DAACB2-52C1-0C4A-8F48-50DD6BC8A363}" type="datetimeFigureOut">
               <a:rPr lang="en-US" smtClean="0"/>
-              <a:t>12/8/25</a:t>
+              <a:t>12/9/25</a:t>
             </a:fld>
             <a:endParaRPr lang="en-US"/>
           </a:p>
@@ -27301,6 +27704,18 @@
   <p:clrMapOvr>
     <a:masterClrMapping/>
   </p:clrMapOvr>
+  <mc:AlternateContent xmlns:mc="http://schemas.openxmlformats.org/markup-compatibility/2006">
+    <mc:Choice xmlns:p14="http://schemas.microsoft.com/office/powerpoint/2010/main" Requires="p14">
+      <p:transition spd="med" p14:dur="700">
+        <p:fade/>
+      </p:transition>
+    </mc:Choice>
+    <mc:Fallback>
+      <p:transition spd="med">
+        <p:fade/>
+      </p:transition>
+    </mc:Fallback>
+  </mc:AlternateContent>
 </p:sldLayout>
 </file>
 
@@ -27490,7 +27905,7 @@
           <a:p>
             <a:fld id="{91DAACB2-52C1-0C4A-8F48-50DD6BC8A363}" type="datetimeFigureOut">
               <a:rPr lang="en-US" smtClean="0"/>
-              <a:t>12/8/25</a:t>
+              <a:t>12/9/25</a:t>
             </a:fld>
             <a:endParaRPr lang="en-US"/>
           </a:p>
@@ -27548,6 +27963,18 @@
   <p:clrMapOvr>
     <a:masterClrMapping/>
   </p:clrMapOvr>
+  <mc:AlternateContent xmlns:mc="http://schemas.openxmlformats.org/markup-compatibility/2006">
+    <mc:Choice xmlns:p14="http://schemas.microsoft.com/office/powerpoint/2010/main" Requires="p14">
+      <p:transition spd="med" p14:dur="700">
+        <p:fade/>
+      </p:transition>
+    </mc:Choice>
+    <mc:Fallback>
+      <p:transition spd="med">
+        <p:fade/>
+      </p:transition>
+    </mc:Fallback>
+  </mc:AlternateContent>
 </p:sldLayout>
 </file>
 
@@ -28113,7 +28540,7 @@
           <a:p>
             <a:fld id="{91DAACB2-52C1-0C4A-8F48-50DD6BC8A363}" type="datetimeFigureOut">
               <a:rPr lang="en-US" smtClean="0"/>
-              <a:t>12/8/25</a:t>
+              <a:t>12/9/25</a:t>
             </a:fld>
             <a:endParaRPr lang="en-US"/>
           </a:p>
@@ -28171,6 +28598,18 @@
   <p:clrMapOvr>
     <a:masterClrMapping/>
   </p:clrMapOvr>
+  <mc:AlternateContent xmlns:mc="http://schemas.openxmlformats.org/markup-compatibility/2006">
+    <mc:Choice xmlns:p14="http://schemas.microsoft.com/office/powerpoint/2010/main" Requires="p14">
+      <p:transition spd="med" p14:dur="700">
+        <p:fade/>
+      </p:transition>
+    </mc:Choice>
+    <mc:Fallback>
+      <p:transition spd="med">
+        <p:fade/>
+      </p:transition>
+    </mc:Fallback>
+  </mc:AlternateContent>
 </p:sldLayout>
 </file>
 
@@ -28973,7 +29412,7 @@
           <a:p>
             <a:fld id="{91DAACB2-52C1-0C4A-8F48-50DD6BC8A363}" type="datetimeFigureOut">
               <a:rPr lang="en-US" smtClean="0"/>
-              <a:t>12/8/25</a:t>
+              <a:t>12/9/25</a:t>
             </a:fld>
             <a:endParaRPr lang="en-US"/>
           </a:p>
@@ -29031,6 +29470,18 @@
   <p:clrMapOvr>
     <a:masterClrMapping/>
   </p:clrMapOvr>
+  <mc:AlternateContent xmlns:mc="http://schemas.openxmlformats.org/markup-compatibility/2006">
+    <mc:Choice xmlns:p14="http://schemas.microsoft.com/office/powerpoint/2010/main" Requires="p14">
+      <p:transition spd="med" p14:dur="700">
+        <p:fade/>
+      </p:transition>
+    </mc:Choice>
+    <mc:Fallback>
+      <p:transition spd="med">
+        <p:fade/>
+      </p:transition>
+    </mc:Fallback>
+  </mc:AlternateContent>
 </p:sldLayout>
 </file>
 
@@ -29143,7 +29594,7 @@
           <a:p>
             <a:fld id="{91DAACB2-52C1-0C4A-8F48-50DD6BC8A363}" type="datetimeFigureOut">
               <a:rPr lang="en-US" smtClean="0"/>
-              <a:t>12/8/25</a:t>
+              <a:t>12/9/25</a:t>
             </a:fld>
             <a:endParaRPr lang="en-US"/>
           </a:p>
@@ -29201,6 +29652,18 @@
   <p:clrMapOvr>
     <a:masterClrMapping/>
   </p:clrMapOvr>
+  <mc:AlternateContent xmlns:mc="http://schemas.openxmlformats.org/markup-compatibility/2006">
+    <mc:Choice xmlns:p14="http://schemas.microsoft.com/office/powerpoint/2010/main" Requires="p14">
+      <p:transition spd="med" p14:dur="700">
+        <p:fade/>
+      </p:transition>
+    </mc:Choice>
+    <mc:Fallback>
+      <p:transition spd="med">
+        <p:fade/>
+      </p:transition>
+    </mc:Fallback>
+  </mc:AlternateContent>
 </p:sldLayout>
 </file>
 
@@ -29323,7 +29786,7 @@
           <a:p>
             <a:fld id="{91DAACB2-52C1-0C4A-8F48-50DD6BC8A363}" type="datetimeFigureOut">
               <a:rPr lang="en-US" smtClean="0"/>
-              <a:t>12/8/25</a:t>
+              <a:t>12/9/25</a:t>
             </a:fld>
             <a:endParaRPr lang="en-US"/>
           </a:p>
@@ -29381,6 +29844,18 @@
   <p:clrMapOvr>
     <a:masterClrMapping/>
   </p:clrMapOvr>
+  <mc:AlternateContent xmlns:mc="http://schemas.openxmlformats.org/markup-compatibility/2006">
+    <mc:Choice xmlns:p14="http://schemas.microsoft.com/office/powerpoint/2010/main" Requires="p14">
+      <p:transition spd="med" p14:dur="700">
+        <p:fade/>
+      </p:transition>
+    </mc:Choice>
+    <mc:Fallback>
+      <p:transition spd="med">
+        <p:fade/>
+      </p:transition>
+    </mc:Fallback>
+  </mc:AlternateContent>
 </p:sldLayout>
 </file>
 
@@ -29493,7 +29968,7 @@
           <a:p>
             <a:fld id="{91DAACB2-52C1-0C4A-8F48-50DD6BC8A363}" type="datetimeFigureOut">
               <a:rPr lang="en-US" smtClean="0"/>
-              <a:t>12/8/25</a:t>
+              <a:t>12/9/25</a:t>
             </a:fld>
             <a:endParaRPr lang="en-US"/>
           </a:p>
@@ -29551,6 +30026,18 @@
   <p:clrMapOvr>
     <a:masterClrMapping/>
   </p:clrMapOvr>
+  <mc:AlternateContent xmlns:mc="http://schemas.openxmlformats.org/markup-compatibility/2006">
+    <mc:Choice xmlns:p14="http://schemas.microsoft.com/office/powerpoint/2010/main" Requires="p14">
+      <p:transition spd="med" p14:dur="700">
+        <p:fade/>
+      </p:transition>
+    </mc:Choice>
+    <mc:Fallback>
+      <p:transition spd="med">
+        <p:fade/>
+      </p:transition>
+    </mc:Fallback>
+  </mc:AlternateContent>
 </p:sldLayout>
 </file>
 
@@ -29740,7 +30227,7 @@
           <a:p>
             <a:fld id="{91DAACB2-52C1-0C4A-8F48-50DD6BC8A363}" type="datetimeFigureOut">
               <a:rPr lang="en-US" smtClean="0"/>
-              <a:t>12/8/25</a:t>
+              <a:t>12/9/25</a:t>
             </a:fld>
             <a:endParaRPr lang="en-US"/>
           </a:p>
@@ -29798,6 +30285,18 @@
   <p:clrMapOvr>
     <a:masterClrMapping/>
   </p:clrMapOvr>
+  <mc:AlternateContent xmlns:mc="http://schemas.openxmlformats.org/markup-compatibility/2006">
+    <mc:Choice xmlns:p14="http://schemas.microsoft.com/office/powerpoint/2010/main" Requires="p14">
+      <p:transition spd="med" p14:dur="700">
+        <p:fade/>
+      </p:transition>
+    </mc:Choice>
+    <mc:Fallback>
+      <p:transition spd="med">
+        <p:fade/>
+      </p:transition>
+    </mc:Fallback>
+  </mc:AlternateContent>
 </p:sldLayout>
 </file>
 
@@ -30032,7 +30531,7 @@
           <a:p>
             <a:fld id="{91DAACB2-52C1-0C4A-8F48-50DD6BC8A363}" type="datetimeFigureOut">
               <a:rPr lang="en-US" smtClean="0"/>
-              <a:t>12/8/25</a:t>
+              <a:t>12/9/25</a:t>
             </a:fld>
             <a:endParaRPr lang="en-US"/>
           </a:p>
@@ -30090,6 +30589,18 @@
   <p:clrMapOvr>
     <a:masterClrMapping/>
   </p:clrMapOvr>
+  <mc:AlternateContent xmlns:mc="http://schemas.openxmlformats.org/markup-compatibility/2006">
+    <mc:Choice xmlns:p14="http://schemas.microsoft.com/office/powerpoint/2010/main" Requires="p14">
+      <p:transition spd="med" p14:dur="700">
+        <p:fade/>
+      </p:transition>
+    </mc:Choice>
+    <mc:Fallback>
+      <p:transition spd="med">
+        <p:fade/>
+      </p:transition>
+    </mc:Fallback>
+  </mc:AlternateContent>
 </p:sldLayout>
 </file>
 
@@ -30476,7 +30987,7 @@
           <a:p>
             <a:fld id="{91DAACB2-52C1-0C4A-8F48-50DD6BC8A363}" type="datetimeFigureOut">
               <a:rPr lang="en-US" smtClean="0"/>
-              <a:t>12/8/25</a:t>
+              <a:t>12/9/25</a:t>
             </a:fld>
             <a:endParaRPr lang="en-US"/>
           </a:p>
@@ -30534,6 +31045,18 @@
   <p:clrMapOvr>
     <a:masterClrMapping/>
   </p:clrMapOvr>
+  <mc:AlternateContent xmlns:mc="http://schemas.openxmlformats.org/markup-compatibility/2006">
+    <mc:Choice xmlns:p14="http://schemas.microsoft.com/office/powerpoint/2010/main" Requires="p14">
+      <p:transition spd="med" p14:dur="700">
+        <p:fade/>
+      </p:transition>
+    </mc:Choice>
+    <mc:Fallback>
+      <p:transition spd="med">
+        <p:fade/>
+      </p:transition>
+    </mc:Fallback>
+  </mc:AlternateContent>
 </p:sldLayout>
 </file>
 
@@ -30594,7 +31117,7 @@
           <a:p>
             <a:fld id="{91DAACB2-52C1-0C4A-8F48-50DD6BC8A363}" type="datetimeFigureOut">
               <a:rPr lang="en-US" smtClean="0"/>
-              <a:t>12/8/25</a:t>
+              <a:t>12/9/25</a:t>
             </a:fld>
             <a:endParaRPr lang="en-US"/>
           </a:p>
@@ -30652,6 +31175,18 @@
   <p:clrMapOvr>
     <a:masterClrMapping/>
   </p:clrMapOvr>
+  <mc:AlternateContent xmlns:mc="http://schemas.openxmlformats.org/markup-compatibility/2006">
+    <mc:Choice xmlns:p14="http://schemas.microsoft.com/office/powerpoint/2010/main" Requires="p14">
+      <p:transition spd="med" p14:dur="700">
+        <p:fade/>
+      </p:transition>
+    </mc:Choice>
+    <mc:Fallback>
+      <p:transition spd="med">
+        <p:fade/>
+      </p:transition>
+    </mc:Fallback>
+  </mc:AlternateContent>
 </p:sldLayout>
 </file>
 
@@ -30689,7 +31224,7 @@
           <a:p>
             <a:fld id="{91DAACB2-52C1-0C4A-8F48-50DD6BC8A363}" type="datetimeFigureOut">
               <a:rPr lang="en-US" smtClean="0"/>
-              <a:t>12/8/25</a:t>
+              <a:t>12/9/25</a:t>
             </a:fld>
             <a:endParaRPr lang="en-US"/>
           </a:p>
@@ -30747,6 +31282,18 @@
   <p:clrMapOvr>
     <a:masterClrMapping/>
   </p:clrMapOvr>
+  <mc:AlternateContent xmlns:mc="http://schemas.openxmlformats.org/markup-compatibility/2006">
+    <mc:Choice xmlns:p14="http://schemas.microsoft.com/office/powerpoint/2010/main" Requires="p14">
+      <p:transition spd="med" p14:dur="700">
+        <p:fade/>
+      </p:transition>
+    </mc:Choice>
+    <mc:Fallback>
+      <p:transition spd="med">
+        <p:fade/>
+      </p:transition>
+    </mc:Fallback>
+  </mc:AlternateContent>
 </p:sldLayout>
 </file>
 
@@ -30968,7 +31515,7 @@
           <a:p>
             <a:fld id="{91DAACB2-52C1-0C4A-8F48-50DD6BC8A363}" type="datetimeFigureOut">
               <a:rPr lang="en-US" smtClean="0"/>
-              <a:t>12/8/25</a:t>
+              <a:t>12/9/25</a:t>
             </a:fld>
             <a:endParaRPr lang="en-US"/>
           </a:p>
@@ -31026,6 +31573,18 @@
   <p:clrMapOvr>
     <a:masterClrMapping/>
   </p:clrMapOvr>
+  <mc:AlternateContent xmlns:mc="http://schemas.openxmlformats.org/markup-compatibility/2006">
+    <mc:Choice xmlns:p14="http://schemas.microsoft.com/office/powerpoint/2010/main" Requires="p14">
+      <p:transition spd="med" p14:dur="700">
+        <p:fade/>
+      </p:transition>
+    </mc:Choice>
+    <mc:Fallback>
+      <p:transition spd="med">
+        <p:fade/>
+      </p:transition>
+    </mc:Fallback>
+  </mc:AlternateContent>
 </p:sldLayout>
 </file>
 
@@ -31243,7 +31802,7 @@
           <a:p>
             <a:fld id="{91DAACB2-52C1-0C4A-8F48-50DD6BC8A363}" type="datetimeFigureOut">
               <a:rPr lang="en-US" smtClean="0"/>
-              <a:t>12/8/25</a:t>
+              <a:t>12/9/25</a:t>
             </a:fld>
             <a:endParaRPr lang="en-US"/>
           </a:p>
@@ -31301,6 +31860,18 @@
   <p:clrMapOvr>
     <a:masterClrMapping/>
   </p:clrMapOvr>
+  <mc:AlternateContent xmlns:mc="http://schemas.openxmlformats.org/markup-compatibility/2006">
+    <mc:Choice xmlns:p14="http://schemas.microsoft.com/office/powerpoint/2010/main" Requires="p14">
+      <p:transition spd="med" p14:dur="700">
+        <p:fade/>
+      </p:transition>
+    </mc:Choice>
+    <mc:Fallback>
+      <p:transition spd="med">
+        <p:fade/>
+      </p:transition>
+    </mc:Fallback>
+  </mc:AlternateContent>
 </p:sldLayout>
 </file>
 
@@ -31686,7 +32257,7 @@
           <a:p>
             <a:fld id="{91DAACB2-52C1-0C4A-8F48-50DD6BC8A363}" type="datetimeFigureOut">
               <a:rPr lang="en-US" smtClean="0"/>
-              <a:t>12/8/25</a:t>
+              <a:t>12/9/25</a:t>
             </a:fld>
             <a:endParaRPr lang="en-US"/>
           </a:p>
@@ -31798,6 +32369,18 @@
     <p:sldLayoutId id="2147483676" r:id="rId16"/>
     <p:sldLayoutId id="2147483677" r:id="rId17"/>
   </p:sldLayoutIdLst>
+  <mc:AlternateContent xmlns:mc="http://schemas.openxmlformats.org/markup-compatibility/2006">
+    <mc:Choice xmlns:p14="http://schemas.microsoft.com/office/powerpoint/2010/main" Requires="p14">
+      <p:transition spd="med" p14:dur="700">
+        <p:fade/>
+      </p:transition>
+    </mc:Choice>
+    <mc:Fallback>
+      <p:transition spd="med">
+        <p:fade/>
+      </p:transition>
+    </mc:Fallback>
+  </mc:AlternateContent>
   <p:txStyles>
     <p:titleStyle>
       <a:lvl1pPr algn="l" defTabSz="457200" rtl="0" eaLnBrk="1" latinLnBrk="0" hangingPunct="1">
@@ -32240,7 +32823,7 @@
       </p:grpSpPr>
       <p:pic>
         <p:nvPicPr>
-          <p:cNvPr id="62" name="Picture 61">
+          <p:cNvPr id="71" name="Picture 70">
             <a:extLst>
               <a:ext uri="{FF2B5EF4-FFF2-40B4-BE49-F238E27FC236}">
                 <a16:creationId xmlns:a16="http://schemas.microsoft.com/office/drawing/2014/main" id="{DF19BAF3-7E20-4B9D-B544-BABAEEA1FA75}"/>
@@ -32284,7 +32867,7 @@
       </p:pic>
       <p:pic>
         <p:nvPicPr>
-          <p:cNvPr id="63" name="Picture 62">
+          <p:cNvPr id="72" name="Picture 71">
             <a:extLst>
               <a:ext uri="{FF2B5EF4-FFF2-40B4-BE49-F238E27FC236}">
                 <a16:creationId xmlns:a16="http://schemas.microsoft.com/office/drawing/2014/main" id="{950648F4-ABCD-4DF0-8641-76CFB2354721}"/>
@@ -32328,7 +32911,7 @@
       </p:pic>
       <p:sp>
         <p:nvSpPr>
-          <p:cNvPr id="64" name="Oval 63">
+          <p:cNvPr id="73" name="Oval 72">
             <a:extLst>
               <a:ext uri="{FF2B5EF4-FFF2-40B4-BE49-F238E27FC236}">
                 <a16:creationId xmlns:a16="http://schemas.microsoft.com/office/drawing/2014/main" id="{989BE678-777B-482A-A616-FEDC47B162E5}"/>
@@ -32415,7 +32998,7 @@
       </p:sp>
       <p:pic>
         <p:nvPicPr>
-          <p:cNvPr id="65" name="Picture 64">
+          <p:cNvPr id="75" name="Picture 74">
             <a:extLst>
               <a:ext uri="{FF2B5EF4-FFF2-40B4-BE49-F238E27FC236}">
                 <a16:creationId xmlns:a16="http://schemas.microsoft.com/office/drawing/2014/main" id="{CF1EB4BD-9C7E-4AA3-9681-C7EB0DA6250B}"/>
@@ -32459,7 +33042,7 @@
       </p:pic>
       <p:pic>
         <p:nvPicPr>
-          <p:cNvPr id="66" name="Picture 65">
+          <p:cNvPr id="77" name="Picture 76">
             <a:extLst>
               <a:ext uri="{FF2B5EF4-FFF2-40B4-BE49-F238E27FC236}">
                 <a16:creationId xmlns:a16="http://schemas.microsoft.com/office/drawing/2014/main" id="{94AAE3AA-3759-4D28-B0EF-575F25A5146C}"/>
@@ -32503,7 +33086,7 @@
       </p:pic>
       <p:sp>
         <p:nvSpPr>
-          <p:cNvPr id="67" name="Rectangle 66">
+          <p:cNvPr id="79" name="Rectangle 78">
             <a:extLst>
               <a:ext uri="{FF2B5EF4-FFF2-40B4-BE49-F238E27FC236}">
                 <a16:creationId xmlns:a16="http://schemas.microsoft.com/office/drawing/2014/main" id="{D28BE0C3-2102-4820-B88B-A448B1840D14}"/>
@@ -32586,7 +33169,7 @@
             </a:duotone>
             <a:alphaModFix amt="25000"/>
           </a:blip>
-          <a:srcRect t="15730"/>
+          <a:srcRect t="23391" r="9091"/>
           <a:stretch>
             <a:fillRect/>
           </a:stretch>
@@ -32635,7 +33218,7 @@
               </a:lnSpc>
             </a:pPr>
             <a:r>
-              <a:rPr lang="en-US" sz="7200"/>
+              <a:rPr lang="en-US" sz="7200" dirty="0"/>
               <a:t>Smart Traffic Intersection Simulation</a:t>
             </a:r>
           </a:p>
@@ -32679,7 +33262,7 @@
       </p:sp>
       <p:sp>
         <p:nvSpPr>
-          <p:cNvPr id="69" name="Rectangle 68">
+          <p:cNvPr id="81" name="Rectangle 80">
             <a:extLst>
               <a:ext uri="{FF2B5EF4-FFF2-40B4-BE49-F238E27FC236}">
                 <a16:creationId xmlns:a16="http://schemas.microsoft.com/office/drawing/2014/main" id="{C885E190-58DD-42DD-A4A8-401E15C92A52}"/>
@@ -32747,6 +33330,18 @@
   <p:clrMapOvr>
     <a:masterClrMapping/>
   </p:clrMapOvr>
+  <mc:AlternateContent xmlns:mc="http://schemas.openxmlformats.org/markup-compatibility/2006">
+    <mc:Choice xmlns:p14="http://schemas.microsoft.com/office/powerpoint/2010/main" Requires="p14">
+      <p:transition spd="med" p14:dur="700">
+        <p:fade/>
+      </p:transition>
+    </mc:Choice>
+    <mc:Fallback>
+      <p:transition spd="med">
+        <p:fade/>
+      </p:transition>
+    </mc:Fallback>
+  </mc:AlternateContent>
 </p:sld>
 </file>
 
@@ -33844,6 +34439,109 @@
   <p:clrMapOvr>
     <a:overrideClrMapping bg1="lt1" tx1="dk1" bg2="lt2" tx2="dk2" accent1="accent1" accent2="accent2" accent3="accent3" accent4="accent4" accent5="accent5" accent6="accent6" hlink="hlink" folHlink="folHlink"/>
   </p:clrMapOvr>
+  <mc:AlternateContent xmlns:mc="http://schemas.openxmlformats.org/markup-compatibility/2006">
+    <mc:Choice xmlns:p14="http://schemas.microsoft.com/office/powerpoint/2010/main" Requires="p14">
+      <p:transition spd="med" p14:dur="700">
+        <p:fade/>
+      </p:transition>
+    </mc:Choice>
+    <mc:Fallback>
+      <p:transition spd="med">
+        <p:fade/>
+      </p:transition>
+    </mc:Fallback>
+  </mc:AlternateContent>
+  <p:timing>
+    <p:tnLst>
+      <p:par>
+        <p:cTn id="1" dur="indefinite" restart="never" nodeType="tmRoot">
+          <p:childTnLst>
+            <p:seq concurrent="1" nextAc="seek">
+              <p:cTn id="2" dur="indefinite" nodeType="mainSeq">
+                <p:childTnLst>
+                  <p:par>
+                    <p:cTn id="3" fill="hold">
+                      <p:stCondLst>
+                        <p:cond delay="indefinite"/>
+                        <p:cond evt="onBegin" delay="0">
+                          <p:tn val="2"/>
+                        </p:cond>
+                      </p:stCondLst>
+                      <p:childTnLst>
+                        <p:par>
+                          <p:cTn id="4" fill="hold">
+                            <p:stCondLst>
+                              <p:cond delay="0"/>
+                            </p:stCondLst>
+                            <p:childTnLst>
+                              <p:par>
+                                <p:cTn id="5" presetID="10" presetClass="entr" presetSubtype="0" fill="hold" grpId="0" nodeType="withEffect">
+                                  <p:stCondLst>
+                                    <p:cond delay="0"/>
+                                  </p:stCondLst>
+                                  <p:childTnLst>
+                                    <p:set>
+                                      <p:cBhvr>
+                                        <p:cTn id="6" dur="1" fill="hold">
+                                          <p:stCondLst>
+                                            <p:cond delay="0"/>
+                                          </p:stCondLst>
+                                        </p:cTn>
+                                        <p:tgtEl>
+                                          <p:spTgt spid="7"/>
+                                        </p:tgtEl>
+                                        <p:attrNameLst>
+                                          <p:attrName>style.visibility</p:attrName>
+                                        </p:attrNameLst>
+                                      </p:cBhvr>
+                                      <p:to>
+                                        <p:strVal val="visible"/>
+                                      </p:to>
+                                    </p:set>
+                                    <p:animEffect transition="in" filter="fade">
+                                      <p:cBhvr>
+                                        <p:cTn id="7" dur="500"/>
+                                        <p:tgtEl>
+                                          <p:spTgt spid="7"/>
+                                        </p:tgtEl>
+                                      </p:cBhvr>
+                                    </p:animEffect>
+                                  </p:childTnLst>
+                                </p:cTn>
+                              </p:par>
+                            </p:childTnLst>
+                          </p:cTn>
+                        </p:par>
+                      </p:childTnLst>
+                    </p:cTn>
+                  </p:par>
+                </p:childTnLst>
+              </p:cTn>
+              <p:prevCondLst>
+                <p:cond evt="onPrev" delay="0">
+                  <p:tgtEl>
+                    <p:sldTgt/>
+                  </p:tgtEl>
+                </p:cond>
+              </p:prevCondLst>
+              <p:nextCondLst>
+                <p:cond evt="onNext" delay="0">
+                  <p:tgtEl>
+                    <p:sldTgt/>
+                  </p:tgtEl>
+                </p:cond>
+              </p:nextCondLst>
+            </p:seq>
+          </p:childTnLst>
+        </p:cTn>
+      </p:par>
+    </p:tnLst>
+    <p:bldLst>
+      <p:bldGraphic spid="7" grpId="0">
+        <p:bldAsOne/>
+      </p:bldGraphic>
+    </p:bldLst>
+  </p:timing>
 </p:sld>
 </file>
 
@@ -34438,6 +35136,110 @@
   <p:clrMapOvr>
     <a:masterClrMapping/>
   </p:clrMapOvr>
+  <mc:AlternateContent xmlns:mc="http://schemas.openxmlformats.org/markup-compatibility/2006">
+    <mc:Choice xmlns:p14="http://schemas.microsoft.com/office/powerpoint/2010/main" Requires="p14">
+      <p:transition spd="med" p14:dur="700">
+        <p:fade/>
+      </p:transition>
+    </mc:Choice>
+    <mc:Fallback>
+      <p:transition spd="med">
+        <p:fade/>
+      </p:transition>
+    </mc:Fallback>
+  </mc:AlternateContent>
+  <p:timing>
+    <p:tnLst>
+      <p:par>
+        <p:cTn id="1" dur="indefinite" restart="never" nodeType="tmRoot">
+          <p:childTnLst>
+            <p:seq concurrent="1" nextAc="seek">
+              <p:cTn id="2" dur="indefinite" nodeType="mainSeq">
+                <p:childTnLst>
+                  <p:par>
+                    <p:cTn id="3" fill="hold">
+                      <p:stCondLst>
+                        <p:cond delay="indefinite"/>
+                        <p:cond evt="onBegin" delay="0">
+                          <p:tn val="2"/>
+                        </p:cond>
+                      </p:stCondLst>
+                      <p:childTnLst>
+                        <p:par>
+                          <p:cTn id="4" fill="hold">
+                            <p:stCondLst>
+                              <p:cond delay="0"/>
+                            </p:stCondLst>
+                            <p:childTnLst>
+                              <p:par>
+                                <p:cTn id="5" presetID="22" presetClass="entr" presetSubtype="8" fill="hold" grpId="0" nodeType="withEffect">
+                                  <p:stCondLst>
+                                    <p:cond delay="0"/>
+                                  </p:stCondLst>
+                                  <p:iterate type="lt">
+                                    <p:tmPct val="10000"/>
+                                  </p:iterate>
+                                  <p:childTnLst>
+                                    <p:set>
+                                      <p:cBhvr>
+                                        <p:cTn id="6" dur="1" fill="hold">
+                                          <p:stCondLst>
+                                            <p:cond delay="0"/>
+                                          </p:stCondLst>
+                                        </p:cTn>
+                                        <p:tgtEl>
+                                          <p:spTgt spid="4"/>
+                                        </p:tgtEl>
+                                        <p:attrNameLst>
+                                          <p:attrName>style.visibility</p:attrName>
+                                        </p:attrNameLst>
+                                      </p:cBhvr>
+                                      <p:to>
+                                        <p:strVal val="visible"/>
+                                      </p:to>
+                                    </p:set>
+                                    <p:animEffect transition="in" filter="wipe(left)">
+                                      <p:cBhvr>
+                                        <p:cTn id="7" dur="500"/>
+                                        <p:tgtEl>
+                                          <p:spTgt spid="4"/>
+                                        </p:tgtEl>
+                                      </p:cBhvr>
+                                    </p:animEffect>
+                                  </p:childTnLst>
+                                </p:cTn>
+                              </p:par>
+                            </p:childTnLst>
+                          </p:cTn>
+                        </p:par>
+                      </p:childTnLst>
+                    </p:cTn>
+                  </p:par>
+                </p:childTnLst>
+              </p:cTn>
+              <p:prevCondLst>
+                <p:cond evt="onPrev" delay="0">
+                  <p:tgtEl>
+                    <p:sldTgt/>
+                  </p:tgtEl>
+                </p:cond>
+              </p:prevCondLst>
+              <p:nextCondLst>
+                <p:cond evt="onNext" delay="0">
+                  <p:tgtEl>
+                    <p:sldTgt/>
+                  </p:tgtEl>
+                </p:cond>
+              </p:nextCondLst>
+            </p:seq>
+          </p:childTnLst>
+        </p:cTn>
+      </p:par>
+    </p:tnLst>
+    <p:bldLst>
+      <p:bldP spid="4" grpId="0"/>
+    </p:bldLst>
+  </p:timing>
 </p:sld>
 </file>
 
@@ -34522,6 +35324,416 @@
   <p:clrMapOvr>
     <a:masterClrMapping/>
   </p:clrMapOvr>
+  <mc:AlternateContent xmlns:mc="http://schemas.openxmlformats.org/markup-compatibility/2006">
+    <mc:Choice xmlns:p14="http://schemas.microsoft.com/office/powerpoint/2010/main" Requires="p14">
+      <p:transition spd="med" p14:dur="700">
+        <p:fade/>
+      </p:transition>
+    </mc:Choice>
+    <mc:Fallback>
+      <p:transition spd="med">
+        <p:fade/>
+      </p:transition>
+    </mc:Fallback>
+  </mc:AlternateContent>
+  <p:timing>
+    <p:tnLst>
+      <p:par>
+        <p:cTn id="1" dur="indefinite" restart="never" nodeType="tmRoot">
+          <p:childTnLst>
+            <p:seq concurrent="1" nextAc="seek">
+              <p:cTn id="2" dur="indefinite" nodeType="mainSeq">
+                <p:childTnLst>
+                  <p:par>
+                    <p:cTn id="3" fill="hold">
+                      <p:stCondLst>
+                        <p:cond delay="indefinite"/>
+                        <p:cond evt="onBegin" delay="0">
+                          <p:tn val="2"/>
+                        </p:cond>
+                      </p:stCondLst>
+                      <p:childTnLst>
+                        <p:par>
+                          <p:cTn id="4" fill="hold">
+                            <p:stCondLst>
+                              <p:cond delay="0"/>
+                            </p:stCondLst>
+                            <p:childTnLst>
+                              <p:par>
+                                <p:cTn id="5" presetID="2" presetClass="entr" presetSubtype="8" fill="hold" grpId="0" nodeType="withEffect">
+                                  <p:stCondLst>
+                                    <p:cond delay="0"/>
+                                  </p:stCondLst>
+                                  <p:childTnLst>
+                                    <p:set>
+                                      <p:cBhvr>
+                                        <p:cTn id="6" dur="1" fill="hold">
+                                          <p:stCondLst>
+                                            <p:cond delay="0"/>
+                                          </p:stCondLst>
+                                        </p:cTn>
+                                        <p:tgtEl>
+                                          <p:spTgt spid="10">
+                                            <p:graphicEl>
+                                              <a:dgm id="{DDB28BA0-FFE3-5446-A78D-294E1D22F740}"/>
+                                            </p:graphicEl>
+                                          </p:spTgt>
+                                        </p:tgtEl>
+                                        <p:attrNameLst>
+                                          <p:attrName>style.visibility</p:attrName>
+                                        </p:attrNameLst>
+                                      </p:cBhvr>
+                                      <p:to>
+                                        <p:strVal val="visible"/>
+                                      </p:to>
+                                    </p:set>
+                                    <p:anim calcmode="lin" valueType="num">
+                                      <p:cBhvr additive="base">
+                                        <p:cTn id="7" dur="500" fill="hold"/>
+                                        <p:tgtEl>
+                                          <p:spTgt spid="10">
+                                            <p:graphicEl>
+                                              <a:dgm id="{DDB28BA0-FFE3-5446-A78D-294E1D22F740}"/>
+                                            </p:graphicEl>
+                                          </p:spTgt>
+                                        </p:tgtEl>
+                                        <p:attrNameLst>
+                                          <p:attrName>ppt_x</p:attrName>
+                                        </p:attrNameLst>
+                                      </p:cBhvr>
+                                      <p:tavLst>
+                                        <p:tav tm="0">
+                                          <p:val>
+                                            <p:strVal val="0-#ppt_w/2"/>
+                                          </p:val>
+                                        </p:tav>
+                                        <p:tav tm="100000">
+                                          <p:val>
+                                            <p:strVal val="#ppt_x"/>
+                                          </p:val>
+                                        </p:tav>
+                                      </p:tavLst>
+                                    </p:anim>
+                                    <p:anim calcmode="lin" valueType="num">
+                                      <p:cBhvr additive="base">
+                                        <p:cTn id="8" dur="500" fill="hold"/>
+                                        <p:tgtEl>
+                                          <p:spTgt spid="10">
+                                            <p:graphicEl>
+                                              <a:dgm id="{DDB28BA0-FFE3-5446-A78D-294E1D22F740}"/>
+                                            </p:graphicEl>
+                                          </p:spTgt>
+                                        </p:tgtEl>
+                                        <p:attrNameLst>
+                                          <p:attrName>ppt_y</p:attrName>
+                                        </p:attrNameLst>
+                                      </p:cBhvr>
+                                      <p:tavLst>
+                                        <p:tav tm="0">
+                                          <p:val>
+                                            <p:strVal val="#ppt_y"/>
+                                          </p:val>
+                                        </p:tav>
+                                        <p:tav tm="100000">
+                                          <p:val>
+                                            <p:strVal val="#ppt_y"/>
+                                          </p:val>
+                                        </p:tav>
+                                      </p:tavLst>
+                                    </p:anim>
+                                  </p:childTnLst>
+                                </p:cTn>
+                              </p:par>
+                              <p:par>
+                                <p:cTn id="9" presetID="2" presetClass="entr" presetSubtype="8" fill="hold" grpId="0" nodeType="withEffect">
+                                  <p:stCondLst>
+                                    <p:cond delay="0"/>
+                                  </p:stCondLst>
+                                  <p:childTnLst>
+                                    <p:set>
+                                      <p:cBhvr>
+                                        <p:cTn id="10" dur="1" fill="hold">
+                                          <p:stCondLst>
+                                            <p:cond delay="0"/>
+                                          </p:stCondLst>
+                                        </p:cTn>
+                                        <p:tgtEl>
+                                          <p:spTgt spid="10">
+                                            <p:graphicEl>
+                                              <a:dgm id="{121049AC-1A4C-7D43-9504-A0B105E3FDA7}"/>
+                                            </p:graphicEl>
+                                          </p:spTgt>
+                                        </p:tgtEl>
+                                        <p:attrNameLst>
+                                          <p:attrName>style.visibility</p:attrName>
+                                        </p:attrNameLst>
+                                      </p:cBhvr>
+                                      <p:to>
+                                        <p:strVal val="visible"/>
+                                      </p:to>
+                                    </p:set>
+                                    <p:anim calcmode="lin" valueType="num">
+                                      <p:cBhvr additive="base">
+                                        <p:cTn id="11" dur="500" fill="hold"/>
+                                        <p:tgtEl>
+                                          <p:spTgt spid="10">
+                                            <p:graphicEl>
+                                              <a:dgm id="{121049AC-1A4C-7D43-9504-A0B105E3FDA7}"/>
+                                            </p:graphicEl>
+                                          </p:spTgt>
+                                        </p:tgtEl>
+                                        <p:attrNameLst>
+                                          <p:attrName>ppt_x</p:attrName>
+                                        </p:attrNameLst>
+                                      </p:cBhvr>
+                                      <p:tavLst>
+                                        <p:tav tm="0">
+                                          <p:val>
+                                            <p:strVal val="0-#ppt_w/2"/>
+                                          </p:val>
+                                        </p:tav>
+                                        <p:tav tm="100000">
+                                          <p:val>
+                                            <p:strVal val="#ppt_x"/>
+                                          </p:val>
+                                        </p:tav>
+                                      </p:tavLst>
+                                    </p:anim>
+                                    <p:anim calcmode="lin" valueType="num">
+                                      <p:cBhvr additive="base">
+                                        <p:cTn id="12" dur="500" fill="hold"/>
+                                        <p:tgtEl>
+                                          <p:spTgt spid="10">
+                                            <p:graphicEl>
+                                              <a:dgm id="{121049AC-1A4C-7D43-9504-A0B105E3FDA7}"/>
+                                            </p:graphicEl>
+                                          </p:spTgt>
+                                        </p:tgtEl>
+                                        <p:attrNameLst>
+                                          <p:attrName>ppt_y</p:attrName>
+                                        </p:attrNameLst>
+                                      </p:cBhvr>
+                                      <p:tavLst>
+                                        <p:tav tm="0">
+                                          <p:val>
+                                            <p:strVal val="#ppt_y"/>
+                                          </p:val>
+                                        </p:tav>
+                                        <p:tav tm="100000">
+                                          <p:val>
+                                            <p:strVal val="#ppt_y"/>
+                                          </p:val>
+                                        </p:tav>
+                                      </p:tavLst>
+                                    </p:anim>
+                                  </p:childTnLst>
+                                </p:cTn>
+                              </p:par>
+                              <p:par>
+                                <p:cTn id="13" presetID="2" presetClass="entr" presetSubtype="8" fill="hold" grpId="0" nodeType="withEffect">
+                                  <p:stCondLst>
+                                    <p:cond delay="0"/>
+                                  </p:stCondLst>
+                                  <p:childTnLst>
+                                    <p:set>
+                                      <p:cBhvr>
+                                        <p:cTn id="14" dur="1" fill="hold">
+                                          <p:stCondLst>
+                                            <p:cond delay="0"/>
+                                          </p:stCondLst>
+                                        </p:cTn>
+                                        <p:tgtEl>
+                                          <p:spTgt spid="10">
+                                            <p:graphicEl>
+                                              <a:dgm id="{CA0CB8A2-CE03-4F4E-9905-A04A8F97EDA9}"/>
+                                            </p:graphicEl>
+                                          </p:spTgt>
+                                        </p:tgtEl>
+                                        <p:attrNameLst>
+                                          <p:attrName>style.visibility</p:attrName>
+                                        </p:attrNameLst>
+                                      </p:cBhvr>
+                                      <p:to>
+                                        <p:strVal val="visible"/>
+                                      </p:to>
+                                    </p:set>
+                                    <p:anim calcmode="lin" valueType="num">
+                                      <p:cBhvr additive="base">
+                                        <p:cTn id="15" dur="500" fill="hold"/>
+                                        <p:tgtEl>
+                                          <p:spTgt spid="10">
+                                            <p:graphicEl>
+                                              <a:dgm id="{CA0CB8A2-CE03-4F4E-9905-A04A8F97EDA9}"/>
+                                            </p:graphicEl>
+                                          </p:spTgt>
+                                        </p:tgtEl>
+                                        <p:attrNameLst>
+                                          <p:attrName>ppt_x</p:attrName>
+                                        </p:attrNameLst>
+                                      </p:cBhvr>
+                                      <p:tavLst>
+                                        <p:tav tm="0">
+                                          <p:val>
+                                            <p:strVal val="0-#ppt_w/2"/>
+                                          </p:val>
+                                        </p:tav>
+                                        <p:tav tm="100000">
+                                          <p:val>
+                                            <p:strVal val="#ppt_x"/>
+                                          </p:val>
+                                        </p:tav>
+                                      </p:tavLst>
+                                    </p:anim>
+                                    <p:anim calcmode="lin" valueType="num">
+                                      <p:cBhvr additive="base">
+                                        <p:cTn id="16" dur="500" fill="hold"/>
+                                        <p:tgtEl>
+                                          <p:spTgt spid="10">
+                                            <p:graphicEl>
+                                              <a:dgm id="{CA0CB8A2-CE03-4F4E-9905-A04A8F97EDA9}"/>
+                                            </p:graphicEl>
+                                          </p:spTgt>
+                                        </p:tgtEl>
+                                        <p:attrNameLst>
+                                          <p:attrName>ppt_y</p:attrName>
+                                        </p:attrNameLst>
+                                      </p:cBhvr>
+                                      <p:tavLst>
+                                        <p:tav tm="0">
+                                          <p:val>
+                                            <p:strVal val="#ppt_y"/>
+                                          </p:val>
+                                        </p:tav>
+                                        <p:tav tm="100000">
+                                          <p:val>
+                                            <p:strVal val="#ppt_y"/>
+                                          </p:val>
+                                        </p:tav>
+                                      </p:tavLst>
+                                    </p:anim>
+                                  </p:childTnLst>
+                                </p:cTn>
+                              </p:par>
+                              <p:par>
+                                <p:cTn id="17" presetID="2" presetClass="entr" presetSubtype="8" fill="hold" grpId="0" nodeType="withEffect">
+                                  <p:stCondLst>
+                                    <p:cond delay="0"/>
+                                  </p:stCondLst>
+                                  <p:childTnLst>
+                                    <p:set>
+                                      <p:cBhvr>
+                                        <p:cTn id="18" dur="1" fill="hold">
+                                          <p:stCondLst>
+                                            <p:cond delay="0"/>
+                                          </p:stCondLst>
+                                        </p:cTn>
+                                        <p:tgtEl>
+                                          <p:spTgt spid="10">
+                                            <p:graphicEl>
+                                              <a:dgm id="{02EA65B1-618F-6E4D-94EC-A94DBE4769C4}"/>
+                                            </p:graphicEl>
+                                          </p:spTgt>
+                                        </p:tgtEl>
+                                        <p:attrNameLst>
+                                          <p:attrName>style.visibility</p:attrName>
+                                        </p:attrNameLst>
+                                      </p:cBhvr>
+                                      <p:to>
+                                        <p:strVal val="visible"/>
+                                      </p:to>
+                                    </p:set>
+                                    <p:anim calcmode="lin" valueType="num">
+                                      <p:cBhvr additive="base">
+                                        <p:cTn id="19" dur="500" fill="hold"/>
+                                        <p:tgtEl>
+                                          <p:spTgt spid="10">
+                                            <p:graphicEl>
+                                              <a:dgm id="{02EA65B1-618F-6E4D-94EC-A94DBE4769C4}"/>
+                                            </p:graphicEl>
+                                          </p:spTgt>
+                                        </p:tgtEl>
+                                        <p:attrNameLst>
+                                          <p:attrName>ppt_x</p:attrName>
+                                        </p:attrNameLst>
+                                      </p:cBhvr>
+                                      <p:tavLst>
+                                        <p:tav tm="0">
+                                          <p:val>
+                                            <p:strVal val="0-#ppt_w/2"/>
+                                          </p:val>
+                                        </p:tav>
+                                        <p:tav tm="100000">
+                                          <p:val>
+                                            <p:strVal val="#ppt_x"/>
+                                          </p:val>
+                                        </p:tav>
+                                      </p:tavLst>
+                                    </p:anim>
+                                    <p:anim calcmode="lin" valueType="num">
+                                      <p:cBhvr additive="base">
+                                        <p:cTn id="20" dur="500" fill="hold"/>
+                                        <p:tgtEl>
+                                          <p:spTgt spid="10">
+                                            <p:graphicEl>
+                                              <a:dgm id="{02EA65B1-618F-6E4D-94EC-A94DBE4769C4}"/>
+                                            </p:graphicEl>
+                                          </p:spTgt>
+                                        </p:tgtEl>
+                                        <p:attrNameLst>
+                                          <p:attrName>ppt_y</p:attrName>
+                                        </p:attrNameLst>
+                                      </p:cBhvr>
+                                      <p:tavLst>
+                                        <p:tav tm="0">
+                                          <p:val>
+                                            <p:strVal val="#ppt_y"/>
+                                          </p:val>
+                                        </p:tav>
+                                        <p:tav tm="100000">
+                                          <p:val>
+                                            <p:strVal val="#ppt_y"/>
+                                          </p:val>
+                                        </p:tav>
+                                      </p:tavLst>
+                                    </p:anim>
+                                  </p:childTnLst>
+                                </p:cTn>
+                              </p:par>
+                            </p:childTnLst>
+                          </p:cTn>
+                        </p:par>
+                      </p:childTnLst>
+                    </p:cTn>
+                  </p:par>
+                </p:childTnLst>
+              </p:cTn>
+              <p:prevCondLst>
+                <p:cond evt="onPrev" delay="0">
+                  <p:tgtEl>
+                    <p:sldTgt/>
+                  </p:tgtEl>
+                </p:cond>
+              </p:prevCondLst>
+              <p:nextCondLst>
+                <p:cond evt="onNext" delay="0">
+                  <p:tgtEl>
+                    <p:sldTgt/>
+                  </p:tgtEl>
+                </p:cond>
+              </p:nextCondLst>
+            </p:seq>
+          </p:childTnLst>
+        </p:cTn>
+      </p:par>
+    </p:tnLst>
+    <p:bldLst>
+      <p:bldGraphic spid="10" grpId="0">
+        <p:bldSub>
+          <a:bldDgm bld="lvlOne"/>
+        </p:bldSub>
+      </p:bldGraphic>
+    </p:bldLst>
+  </p:timing>
 </p:sld>
 </file>
 
@@ -35619,6 +36831,109 @@
   <p:clrMapOvr>
     <a:overrideClrMapping bg1="lt1" tx1="dk1" bg2="lt2" tx2="dk2" accent1="accent1" accent2="accent2" accent3="accent3" accent4="accent4" accent5="accent5" accent6="accent6" hlink="hlink" folHlink="folHlink"/>
   </p:clrMapOvr>
+  <mc:AlternateContent xmlns:mc="http://schemas.openxmlformats.org/markup-compatibility/2006">
+    <mc:Choice xmlns:p14="http://schemas.microsoft.com/office/powerpoint/2010/main" Requires="p14">
+      <p:transition spd="med" p14:dur="700">
+        <p:fade/>
+      </p:transition>
+    </mc:Choice>
+    <mc:Fallback>
+      <p:transition spd="med">
+        <p:fade/>
+      </p:transition>
+    </mc:Fallback>
+  </mc:AlternateContent>
+  <p:timing>
+    <p:tnLst>
+      <p:par>
+        <p:cTn id="1" dur="indefinite" restart="never" nodeType="tmRoot">
+          <p:childTnLst>
+            <p:seq concurrent="1" nextAc="seek">
+              <p:cTn id="2" dur="indefinite" nodeType="mainSeq">
+                <p:childTnLst>
+                  <p:par>
+                    <p:cTn id="3" fill="hold">
+                      <p:stCondLst>
+                        <p:cond delay="indefinite"/>
+                        <p:cond evt="onBegin" delay="0">
+                          <p:tn val="2"/>
+                        </p:cond>
+                      </p:stCondLst>
+                      <p:childTnLst>
+                        <p:par>
+                          <p:cTn id="4" fill="hold">
+                            <p:stCondLst>
+                              <p:cond delay="0"/>
+                            </p:stCondLst>
+                            <p:childTnLst>
+                              <p:par>
+                                <p:cTn id="5" presetID="10" presetClass="entr" presetSubtype="0" fill="hold" grpId="0" nodeType="withEffect">
+                                  <p:stCondLst>
+                                    <p:cond delay="0"/>
+                                  </p:stCondLst>
+                                  <p:childTnLst>
+                                    <p:set>
+                                      <p:cBhvr>
+                                        <p:cTn id="6" dur="1" fill="hold">
+                                          <p:stCondLst>
+                                            <p:cond delay="0"/>
+                                          </p:stCondLst>
+                                        </p:cTn>
+                                        <p:tgtEl>
+                                          <p:spTgt spid="7"/>
+                                        </p:tgtEl>
+                                        <p:attrNameLst>
+                                          <p:attrName>style.visibility</p:attrName>
+                                        </p:attrNameLst>
+                                      </p:cBhvr>
+                                      <p:to>
+                                        <p:strVal val="visible"/>
+                                      </p:to>
+                                    </p:set>
+                                    <p:animEffect transition="in" filter="fade">
+                                      <p:cBhvr>
+                                        <p:cTn id="7" dur="500"/>
+                                        <p:tgtEl>
+                                          <p:spTgt spid="7"/>
+                                        </p:tgtEl>
+                                      </p:cBhvr>
+                                    </p:animEffect>
+                                  </p:childTnLst>
+                                </p:cTn>
+                              </p:par>
+                            </p:childTnLst>
+                          </p:cTn>
+                        </p:par>
+                      </p:childTnLst>
+                    </p:cTn>
+                  </p:par>
+                </p:childTnLst>
+              </p:cTn>
+              <p:prevCondLst>
+                <p:cond evt="onPrev" delay="0">
+                  <p:tgtEl>
+                    <p:sldTgt/>
+                  </p:tgtEl>
+                </p:cond>
+              </p:prevCondLst>
+              <p:nextCondLst>
+                <p:cond evt="onNext" delay="0">
+                  <p:tgtEl>
+                    <p:sldTgt/>
+                  </p:tgtEl>
+                </p:cond>
+              </p:nextCondLst>
+            </p:seq>
+          </p:childTnLst>
+        </p:cTn>
+      </p:par>
+    </p:tnLst>
+    <p:bldLst>
+      <p:bldGraphic spid="7" grpId="0">
+        <p:bldAsOne/>
+      </p:bldGraphic>
+    </p:bldLst>
+  </p:timing>
 </p:sld>
 </file>
 
@@ -35739,6 +37054,147 @@
   <p:clrMapOvr>
     <a:masterClrMapping/>
   </p:clrMapOvr>
+  <mc:AlternateContent xmlns:mc="http://schemas.openxmlformats.org/markup-compatibility/2006">
+    <mc:Choice xmlns:p14="http://schemas.microsoft.com/office/powerpoint/2010/main" Requires="p14">
+      <p:transition spd="med" p14:dur="700">
+        <p:fade/>
+      </p:transition>
+    </mc:Choice>
+    <mc:Fallback>
+      <p:transition spd="med">
+        <p:fade/>
+      </p:transition>
+    </mc:Fallback>
+  </mc:AlternateContent>
+  <p:timing>
+    <p:tnLst>
+      <p:par>
+        <p:cTn id="1" dur="indefinite" restart="never" nodeType="tmRoot">
+          <p:childTnLst>
+            <p:seq concurrent="1" nextAc="seek">
+              <p:cTn id="2" dur="indefinite" nodeType="mainSeq">
+                <p:childTnLst>
+                  <p:par>
+                    <p:cTn id="3" fill="hold">
+                      <p:stCondLst>
+                        <p:cond delay="indefinite"/>
+                        <p:cond evt="onBegin" delay="0">
+                          <p:tn val="2"/>
+                        </p:cond>
+                      </p:stCondLst>
+                      <p:childTnLst>
+                        <p:par>
+                          <p:cTn id="4" fill="hold">
+                            <p:stCondLst>
+                              <p:cond delay="0"/>
+                            </p:stCondLst>
+                            <p:childTnLst>
+                              <p:par>
+                                <p:cTn id="5" presetID="2" presetClass="entr" presetSubtype="4" fill="hold" grpId="0" nodeType="withEffect">
+                                  <p:stCondLst>
+                                    <p:cond delay="0"/>
+                                  </p:stCondLst>
+                                  <p:childTnLst>
+                                    <p:set>
+                                      <p:cBhvr>
+                                        <p:cTn id="6" dur="1" fill="hold">
+                                          <p:stCondLst>
+                                            <p:cond delay="0"/>
+                                          </p:stCondLst>
+                                        </p:cTn>
+                                        <p:tgtEl>
+                                          <p:spTgt spid="25"/>
+                                        </p:tgtEl>
+                                        <p:attrNameLst>
+                                          <p:attrName>style.visibility</p:attrName>
+                                        </p:attrNameLst>
+                                      </p:cBhvr>
+                                      <p:to>
+                                        <p:strVal val="visible"/>
+                                      </p:to>
+                                    </p:set>
+                                    <p:anim calcmode="lin" valueType="num">
+                                      <p:cBhvr additive="base">
+                                        <p:cTn id="7" dur="500" fill="hold"/>
+                                        <p:tgtEl>
+                                          <p:spTgt spid="25"/>
+                                        </p:tgtEl>
+                                        <p:attrNameLst>
+                                          <p:attrName>ppt_x</p:attrName>
+                                        </p:attrNameLst>
+                                      </p:cBhvr>
+                                      <p:tavLst>
+                                        <p:tav tm="0">
+                                          <p:val>
+                                            <p:strVal val="#ppt_x"/>
+                                          </p:val>
+                                        </p:tav>
+                                        <p:tav tm="100000">
+                                          <p:val>
+                                            <p:strVal val="#ppt_x"/>
+                                          </p:val>
+                                        </p:tav>
+                                      </p:tavLst>
+                                    </p:anim>
+                                    <p:anim calcmode="lin" valueType="num">
+                                      <p:cBhvr additive="base">
+                                        <p:cTn id="8" dur="500" fill="hold"/>
+                                        <p:tgtEl>
+                                          <p:spTgt spid="25"/>
+                                        </p:tgtEl>
+                                        <p:attrNameLst>
+                                          <p:attrName>ppt_y</p:attrName>
+                                        </p:attrNameLst>
+                                      </p:cBhvr>
+                                      <p:tavLst>
+                                        <p:tav tm="0">
+                                          <p:val>
+                                            <p:strVal val="1+#ppt_h/2"/>
+                                          </p:val>
+                                        </p:tav>
+                                        <p:tav tm="100000">
+                                          <p:val>
+                                            <p:strVal val="#ppt_y"/>
+                                          </p:val>
+                                        </p:tav>
+                                      </p:tavLst>
+                                    </p:anim>
+                                  </p:childTnLst>
+                                </p:cTn>
+                              </p:par>
+                            </p:childTnLst>
+                          </p:cTn>
+                        </p:par>
+                      </p:childTnLst>
+                    </p:cTn>
+                  </p:par>
+                </p:childTnLst>
+              </p:cTn>
+              <p:prevCondLst>
+                <p:cond evt="onPrev" delay="0">
+                  <p:tgtEl>
+                    <p:sldTgt/>
+                  </p:tgtEl>
+                </p:cond>
+              </p:prevCondLst>
+              <p:nextCondLst>
+                <p:cond evt="onNext" delay="0">
+                  <p:tgtEl>
+                    <p:sldTgt/>
+                  </p:tgtEl>
+                </p:cond>
+              </p:nextCondLst>
+            </p:seq>
+          </p:childTnLst>
+        </p:cTn>
+      </p:par>
+    </p:tnLst>
+    <p:bldLst>
+      <p:bldGraphic spid="25" grpId="0">
+        <p:bldAsOne/>
+      </p:bldGraphic>
+    </p:bldLst>
+  </p:timing>
 </p:sld>
 </file>
 
@@ -36811,6 +38267,861 @@
   <p:clrMapOvr>
     <a:overrideClrMapping bg1="lt1" tx1="dk1" bg2="lt2" tx2="dk2" accent1="accent1" accent2="accent2" accent3="accent3" accent4="accent4" accent5="accent5" accent6="accent6" hlink="hlink" folHlink="folHlink"/>
   </p:clrMapOvr>
+  <mc:AlternateContent xmlns:mc="http://schemas.openxmlformats.org/markup-compatibility/2006">
+    <mc:Choice xmlns:p14="http://schemas.microsoft.com/office/powerpoint/2010/main" Requires="p14">
+      <p:transition spd="med" p14:dur="700">
+        <p:fade/>
+      </p:transition>
+    </mc:Choice>
+    <mc:Fallback>
+      <p:transition spd="med">
+        <p:fade/>
+      </p:transition>
+    </mc:Fallback>
+  </mc:AlternateContent>
+  <p:timing>
+    <p:tnLst>
+      <p:par>
+        <p:cTn id="1" dur="indefinite" restart="never" nodeType="tmRoot">
+          <p:childTnLst>
+            <p:seq concurrent="1" nextAc="seek">
+              <p:cTn id="2" dur="indefinite" nodeType="mainSeq">
+                <p:childTnLst>
+                  <p:par>
+                    <p:cTn id="3" fill="hold">
+                      <p:stCondLst>
+                        <p:cond delay="indefinite"/>
+                        <p:cond evt="onBegin" delay="0">
+                          <p:tn val="2"/>
+                        </p:cond>
+                      </p:stCondLst>
+                      <p:childTnLst>
+                        <p:par>
+                          <p:cTn id="4" fill="hold">
+                            <p:stCondLst>
+                              <p:cond delay="0"/>
+                            </p:stCondLst>
+                            <p:childTnLst>
+                              <p:par>
+                                <p:cTn id="5" presetID="42" presetClass="entr" presetSubtype="0" fill="hold" grpId="0" nodeType="withEffect">
+                                  <p:stCondLst>
+                                    <p:cond delay="0"/>
+                                  </p:stCondLst>
+                                  <p:childTnLst>
+                                    <p:set>
+                                      <p:cBhvr>
+                                        <p:cTn id="6" dur="1" fill="hold">
+                                          <p:stCondLst>
+                                            <p:cond delay="0"/>
+                                          </p:stCondLst>
+                                        </p:cTn>
+                                        <p:tgtEl>
+                                          <p:spTgt spid="5">
+                                            <p:graphicEl>
+                                              <a:dgm id="{7CE93E52-1D3D-4F69-B19A-98EBB79A1BD8}"/>
+                                            </p:graphicEl>
+                                          </p:spTgt>
+                                        </p:tgtEl>
+                                        <p:attrNameLst>
+                                          <p:attrName>style.visibility</p:attrName>
+                                        </p:attrNameLst>
+                                      </p:cBhvr>
+                                      <p:to>
+                                        <p:strVal val="visible"/>
+                                      </p:to>
+                                    </p:set>
+                                    <p:animEffect transition="in" filter="fade">
+                                      <p:cBhvr>
+                                        <p:cTn id="7" dur="1000"/>
+                                        <p:tgtEl>
+                                          <p:spTgt spid="5">
+                                            <p:graphicEl>
+                                              <a:dgm id="{7CE93E52-1D3D-4F69-B19A-98EBB79A1BD8}"/>
+                                            </p:graphicEl>
+                                          </p:spTgt>
+                                        </p:tgtEl>
+                                      </p:cBhvr>
+                                    </p:animEffect>
+                                    <p:anim calcmode="lin" valueType="num">
+                                      <p:cBhvr>
+                                        <p:cTn id="8" dur="1000" fill="hold"/>
+                                        <p:tgtEl>
+                                          <p:spTgt spid="5">
+                                            <p:graphicEl>
+                                              <a:dgm id="{7CE93E52-1D3D-4F69-B19A-98EBB79A1BD8}"/>
+                                            </p:graphicEl>
+                                          </p:spTgt>
+                                        </p:tgtEl>
+                                        <p:attrNameLst>
+                                          <p:attrName>ppt_x</p:attrName>
+                                        </p:attrNameLst>
+                                      </p:cBhvr>
+                                      <p:tavLst>
+                                        <p:tav tm="0">
+                                          <p:val>
+                                            <p:strVal val="#ppt_x"/>
+                                          </p:val>
+                                        </p:tav>
+                                        <p:tav tm="100000">
+                                          <p:val>
+                                            <p:strVal val="#ppt_x"/>
+                                          </p:val>
+                                        </p:tav>
+                                      </p:tavLst>
+                                    </p:anim>
+                                    <p:anim calcmode="lin" valueType="num">
+                                      <p:cBhvr>
+                                        <p:cTn id="9" dur="1000" fill="hold"/>
+                                        <p:tgtEl>
+                                          <p:spTgt spid="5">
+                                            <p:graphicEl>
+                                              <a:dgm id="{7CE93E52-1D3D-4F69-B19A-98EBB79A1BD8}"/>
+                                            </p:graphicEl>
+                                          </p:spTgt>
+                                        </p:tgtEl>
+                                        <p:attrNameLst>
+                                          <p:attrName>ppt_y</p:attrName>
+                                        </p:attrNameLst>
+                                      </p:cBhvr>
+                                      <p:tavLst>
+                                        <p:tav tm="0">
+                                          <p:val>
+                                            <p:strVal val="#ppt_y+.1"/>
+                                          </p:val>
+                                        </p:tav>
+                                        <p:tav tm="100000">
+                                          <p:val>
+                                            <p:strVal val="#ppt_y"/>
+                                          </p:val>
+                                        </p:tav>
+                                      </p:tavLst>
+                                    </p:anim>
+                                  </p:childTnLst>
+                                </p:cTn>
+                              </p:par>
+                              <p:par>
+                                <p:cTn id="10" presetID="42" presetClass="entr" presetSubtype="0" fill="hold" grpId="0" nodeType="withEffect">
+                                  <p:stCondLst>
+                                    <p:cond delay="0"/>
+                                  </p:stCondLst>
+                                  <p:childTnLst>
+                                    <p:set>
+                                      <p:cBhvr>
+                                        <p:cTn id="11" dur="1" fill="hold">
+                                          <p:stCondLst>
+                                            <p:cond delay="0"/>
+                                          </p:stCondLst>
+                                        </p:cTn>
+                                        <p:tgtEl>
+                                          <p:spTgt spid="5">
+                                            <p:graphicEl>
+                                              <a:dgm id="{91B2F4FA-F59A-44CD-A866-289D72935E54}"/>
+                                            </p:graphicEl>
+                                          </p:spTgt>
+                                        </p:tgtEl>
+                                        <p:attrNameLst>
+                                          <p:attrName>style.visibility</p:attrName>
+                                        </p:attrNameLst>
+                                      </p:cBhvr>
+                                      <p:to>
+                                        <p:strVal val="visible"/>
+                                      </p:to>
+                                    </p:set>
+                                    <p:animEffect transition="in" filter="fade">
+                                      <p:cBhvr>
+                                        <p:cTn id="12" dur="1000"/>
+                                        <p:tgtEl>
+                                          <p:spTgt spid="5">
+                                            <p:graphicEl>
+                                              <a:dgm id="{91B2F4FA-F59A-44CD-A866-289D72935E54}"/>
+                                            </p:graphicEl>
+                                          </p:spTgt>
+                                        </p:tgtEl>
+                                      </p:cBhvr>
+                                    </p:animEffect>
+                                    <p:anim calcmode="lin" valueType="num">
+                                      <p:cBhvr>
+                                        <p:cTn id="13" dur="1000" fill="hold"/>
+                                        <p:tgtEl>
+                                          <p:spTgt spid="5">
+                                            <p:graphicEl>
+                                              <a:dgm id="{91B2F4FA-F59A-44CD-A866-289D72935E54}"/>
+                                            </p:graphicEl>
+                                          </p:spTgt>
+                                        </p:tgtEl>
+                                        <p:attrNameLst>
+                                          <p:attrName>ppt_x</p:attrName>
+                                        </p:attrNameLst>
+                                      </p:cBhvr>
+                                      <p:tavLst>
+                                        <p:tav tm="0">
+                                          <p:val>
+                                            <p:strVal val="#ppt_x"/>
+                                          </p:val>
+                                        </p:tav>
+                                        <p:tav tm="100000">
+                                          <p:val>
+                                            <p:strVal val="#ppt_x"/>
+                                          </p:val>
+                                        </p:tav>
+                                      </p:tavLst>
+                                    </p:anim>
+                                    <p:anim calcmode="lin" valueType="num">
+                                      <p:cBhvr>
+                                        <p:cTn id="14" dur="1000" fill="hold"/>
+                                        <p:tgtEl>
+                                          <p:spTgt spid="5">
+                                            <p:graphicEl>
+                                              <a:dgm id="{91B2F4FA-F59A-44CD-A866-289D72935E54}"/>
+                                            </p:graphicEl>
+                                          </p:spTgt>
+                                        </p:tgtEl>
+                                        <p:attrNameLst>
+                                          <p:attrName>ppt_y</p:attrName>
+                                        </p:attrNameLst>
+                                      </p:cBhvr>
+                                      <p:tavLst>
+                                        <p:tav tm="0">
+                                          <p:val>
+                                            <p:strVal val="#ppt_y+.1"/>
+                                          </p:val>
+                                        </p:tav>
+                                        <p:tav tm="100000">
+                                          <p:val>
+                                            <p:strVal val="#ppt_y"/>
+                                          </p:val>
+                                        </p:tav>
+                                      </p:tavLst>
+                                    </p:anim>
+                                  </p:childTnLst>
+                                </p:cTn>
+                              </p:par>
+                              <p:par>
+                                <p:cTn id="15" presetID="42" presetClass="entr" presetSubtype="0" fill="hold" grpId="0" nodeType="withEffect">
+                                  <p:stCondLst>
+                                    <p:cond delay="0"/>
+                                  </p:stCondLst>
+                                  <p:childTnLst>
+                                    <p:set>
+                                      <p:cBhvr>
+                                        <p:cTn id="16" dur="1" fill="hold">
+                                          <p:stCondLst>
+                                            <p:cond delay="0"/>
+                                          </p:stCondLst>
+                                        </p:cTn>
+                                        <p:tgtEl>
+                                          <p:spTgt spid="5">
+                                            <p:graphicEl>
+                                              <a:dgm id="{87135E94-1B09-4AE0-ADB6-16F212AE3EEF}"/>
+                                            </p:graphicEl>
+                                          </p:spTgt>
+                                        </p:tgtEl>
+                                        <p:attrNameLst>
+                                          <p:attrName>style.visibility</p:attrName>
+                                        </p:attrNameLst>
+                                      </p:cBhvr>
+                                      <p:to>
+                                        <p:strVal val="visible"/>
+                                      </p:to>
+                                    </p:set>
+                                    <p:animEffect transition="in" filter="fade">
+                                      <p:cBhvr>
+                                        <p:cTn id="17" dur="1000"/>
+                                        <p:tgtEl>
+                                          <p:spTgt spid="5">
+                                            <p:graphicEl>
+                                              <a:dgm id="{87135E94-1B09-4AE0-ADB6-16F212AE3EEF}"/>
+                                            </p:graphicEl>
+                                          </p:spTgt>
+                                        </p:tgtEl>
+                                      </p:cBhvr>
+                                    </p:animEffect>
+                                    <p:anim calcmode="lin" valueType="num">
+                                      <p:cBhvr>
+                                        <p:cTn id="18" dur="1000" fill="hold"/>
+                                        <p:tgtEl>
+                                          <p:spTgt spid="5">
+                                            <p:graphicEl>
+                                              <a:dgm id="{87135E94-1B09-4AE0-ADB6-16F212AE3EEF}"/>
+                                            </p:graphicEl>
+                                          </p:spTgt>
+                                        </p:tgtEl>
+                                        <p:attrNameLst>
+                                          <p:attrName>ppt_x</p:attrName>
+                                        </p:attrNameLst>
+                                      </p:cBhvr>
+                                      <p:tavLst>
+                                        <p:tav tm="0">
+                                          <p:val>
+                                            <p:strVal val="#ppt_x"/>
+                                          </p:val>
+                                        </p:tav>
+                                        <p:tav tm="100000">
+                                          <p:val>
+                                            <p:strVal val="#ppt_x"/>
+                                          </p:val>
+                                        </p:tav>
+                                      </p:tavLst>
+                                    </p:anim>
+                                    <p:anim calcmode="lin" valueType="num">
+                                      <p:cBhvr>
+                                        <p:cTn id="19" dur="1000" fill="hold"/>
+                                        <p:tgtEl>
+                                          <p:spTgt spid="5">
+                                            <p:graphicEl>
+                                              <a:dgm id="{87135E94-1B09-4AE0-ADB6-16F212AE3EEF}"/>
+                                            </p:graphicEl>
+                                          </p:spTgt>
+                                        </p:tgtEl>
+                                        <p:attrNameLst>
+                                          <p:attrName>ppt_y</p:attrName>
+                                        </p:attrNameLst>
+                                      </p:cBhvr>
+                                      <p:tavLst>
+                                        <p:tav tm="0">
+                                          <p:val>
+                                            <p:strVal val="#ppt_y+.1"/>
+                                          </p:val>
+                                        </p:tav>
+                                        <p:tav tm="100000">
+                                          <p:val>
+                                            <p:strVal val="#ppt_y"/>
+                                          </p:val>
+                                        </p:tav>
+                                      </p:tavLst>
+                                    </p:anim>
+                                  </p:childTnLst>
+                                </p:cTn>
+                              </p:par>
+                              <p:par>
+                                <p:cTn id="20" presetID="42" presetClass="entr" presetSubtype="0" fill="hold" grpId="0" nodeType="withEffect">
+                                  <p:stCondLst>
+                                    <p:cond delay="0"/>
+                                  </p:stCondLst>
+                                  <p:childTnLst>
+                                    <p:set>
+                                      <p:cBhvr>
+                                        <p:cTn id="21" dur="1" fill="hold">
+                                          <p:stCondLst>
+                                            <p:cond delay="0"/>
+                                          </p:stCondLst>
+                                        </p:cTn>
+                                        <p:tgtEl>
+                                          <p:spTgt spid="5">
+                                            <p:graphicEl>
+                                              <a:dgm id="{A5EA6CA0-AAA0-4705-9A6A-FB43C3C2208D}"/>
+                                            </p:graphicEl>
+                                          </p:spTgt>
+                                        </p:tgtEl>
+                                        <p:attrNameLst>
+                                          <p:attrName>style.visibility</p:attrName>
+                                        </p:attrNameLst>
+                                      </p:cBhvr>
+                                      <p:to>
+                                        <p:strVal val="visible"/>
+                                      </p:to>
+                                    </p:set>
+                                    <p:animEffect transition="in" filter="fade">
+                                      <p:cBhvr>
+                                        <p:cTn id="22" dur="1000"/>
+                                        <p:tgtEl>
+                                          <p:spTgt spid="5">
+                                            <p:graphicEl>
+                                              <a:dgm id="{A5EA6CA0-AAA0-4705-9A6A-FB43C3C2208D}"/>
+                                            </p:graphicEl>
+                                          </p:spTgt>
+                                        </p:tgtEl>
+                                      </p:cBhvr>
+                                    </p:animEffect>
+                                    <p:anim calcmode="lin" valueType="num">
+                                      <p:cBhvr>
+                                        <p:cTn id="23" dur="1000" fill="hold"/>
+                                        <p:tgtEl>
+                                          <p:spTgt spid="5">
+                                            <p:graphicEl>
+                                              <a:dgm id="{A5EA6CA0-AAA0-4705-9A6A-FB43C3C2208D}"/>
+                                            </p:graphicEl>
+                                          </p:spTgt>
+                                        </p:tgtEl>
+                                        <p:attrNameLst>
+                                          <p:attrName>ppt_x</p:attrName>
+                                        </p:attrNameLst>
+                                      </p:cBhvr>
+                                      <p:tavLst>
+                                        <p:tav tm="0">
+                                          <p:val>
+                                            <p:strVal val="#ppt_x"/>
+                                          </p:val>
+                                        </p:tav>
+                                        <p:tav tm="100000">
+                                          <p:val>
+                                            <p:strVal val="#ppt_x"/>
+                                          </p:val>
+                                        </p:tav>
+                                      </p:tavLst>
+                                    </p:anim>
+                                    <p:anim calcmode="lin" valueType="num">
+                                      <p:cBhvr>
+                                        <p:cTn id="24" dur="1000" fill="hold"/>
+                                        <p:tgtEl>
+                                          <p:spTgt spid="5">
+                                            <p:graphicEl>
+                                              <a:dgm id="{A5EA6CA0-AAA0-4705-9A6A-FB43C3C2208D}"/>
+                                            </p:graphicEl>
+                                          </p:spTgt>
+                                        </p:tgtEl>
+                                        <p:attrNameLst>
+                                          <p:attrName>ppt_y</p:attrName>
+                                        </p:attrNameLst>
+                                      </p:cBhvr>
+                                      <p:tavLst>
+                                        <p:tav tm="0">
+                                          <p:val>
+                                            <p:strVal val="#ppt_y+.1"/>
+                                          </p:val>
+                                        </p:tav>
+                                        <p:tav tm="100000">
+                                          <p:val>
+                                            <p:strVal val="#ppt_y"/>
+                                          </p:val>
+                                        </p:tav>
+                                      </p:tavLst>
+                                    </p:anim>
+                                  </p:childTnLst>
+                                </p:cTn>
+                              </p:par>
+                            </p:childTnLst>
+                          </p:cTn>
+                        </p:par>
+                        <p:par>
+                          <p:cTn id="25" fill="hold">
+                            <p:stCondLst>
+                              <p:cond delay="1000"/>
+                            </p:stCondLst>
+                            <p:childTnLst>
+                              <p:par>
+                                <p:cTn id="26" presetID="42" presetClass="entr" presetSubtype="0" fill="hold" grpId="0" nodeType="afterEffect">
+                                  <p:stCondLst>
+                                    <p:cond delay="0"/>
+                                  </p:stCondLst>
+                                  <p:childTnLst>
+                                    <p:set>
+                                      <p:cBhvr>
+                                        <p:cTn id="27" dur="1" fill="hold">
+                                          <p:stCondLst>
+                                            <p:cond delay="0"/>
+                                          </p:stCondLst>
+                                        </p:cTn>
+                                        <p:tgtEl>
+                                          <p:spTgt spid="5">
+                                            <p:graphicEl>
+                                              <a:dgm id="{240B8FEF-2CAB-44F6-80C5-895E2CAB50AF}"/>
+                                            </p:graphicEl>
+                                          </p:spTgt>
+                                        </p:tgtEl>
+                                        <p:attrNameLst>
+                                          <p:attrName>style.visibility</p:attrName>
+                                        </p:attrNameLst>
+                                      </p:cBhvr>
+                                      <p:to>
+                                        <p:strVal val="visible"/>
+                                      </p:to>
+                                    </p:set>
+                                    <p:animEffect transition="in" filter="fade">
+                                      <p:cBhvr>
+                                        <p:cTn id="28" dur="1000"/>
+                                        <p:tgtEl>
+                                          <p:spTgt spid="5">
+                                            <p:graphicEl>
+                                              <a:dgm id="{240B8FEF-2CAB-44F6-80C5-895E2CAB50AF}"/>
+                                            </p:graphicEl>
+                                          </p:spTgt>
+                                        </p:tgtEl>
+                                      </p:cBhvr>
+                                    </p:animEffect>
+                                    <p:anim calcmode="lin" valueType="num">
+                                      <p:cBhvr>
+                                        <p:cTn id="29" dur="1000" fill="hold"/>
+                                        <p:tgtEl>
+                                          <p:spTgt spid="5">
+                                            <p:graphicEl>
+                                              <a:dgm id="{240B8FEF-2CAB-44F6-80C5-895E2CAB50AF}"/>
+                                            </p:graphicEl>
+                                          </p:spTgt>
+                                        </p:tgtEl>
+                                        <p:attrNameLst>
+                                          <p:attrName>ppt_x</p:attrName>
+                                        </p:attrNameLst>
+                                      </p:cBhvr>
+                                      <p:tavLst>
+                                        <p:tav tm="0">
+                                          <p:val>
+                                            <p:strVal val="#ppt_x"/>
+                                          </p:val>
+                                        </p:tav>
+                                        <p:tav tm="100000">
+                                          <p:val>
+                                            <p:strVal val="#ppt_x"/>
+                                          </p:val>
+                                        </p:tav>
+                                      </p:tavLst>
+                                    </p:anim>
+                                    <p:anim calcmode="lin" valueType="num">
+                                      <p:cBhvr>
+                                        <p:cTn id="30" dur="1000" fill="hold"/>
+                                        <p:tgtEl>
+                                          <p:spTgt spid="5">
+                                            <p:graphicEl>
+                                              <a:dgm id="{240B8FEF-2CAB-44F6-80C5-895E2CAB50AF}"/>
+                                            </p:graphicEl>
+                                          </p:spTgt>
+                                        </p:tgtEl>
+                                        <p:attrNameLst>
+                                          <p:attrName>ppt_y</p:attrName>
+                                        </p:attrNameLst>
+                                      </p:cBhvr>
+                                      <p:tavLst>
+                                        <p:tav tm="0">
+                                          <p:val>
+                                            <p:strVal val="#ppt_y+.1"/>
+                                          </p:val>
+                                        </p:tav>
+                                        <p:tav tm="100000">
+                                          <p:val>
+                                            <p:strVal val="#ppt_y"/>
+                                          </p:val>
+                                        </p:tav>
+                                      </p:tavLst>
+                                    </p:anim>
+                                  </p:childTnLst>
+                                </p:cTn>
+                              </p:par>
+                              <p:par>
+                                <p:cTn id="31" presetID="42" presetClass="entr" presetSubtype="0" fill="hold" grpId="0" nodeType="withEffect">
+                                  <p:stCondLst>
+                                    <p:cond delay="0"/>
+                                  </p:stCondLst>
+                                  <p:childTnLst>
+                                    <p:set>
+                                      <p:cBhvr>
+                                        <p:cTn id="32" dur="1" fill="hold">
+                                          <p:stCondLst>
+                                            <p:cond delay="0"/>
+                                          </p:stCondLst>
+                                        </p:cTn>
+                                        <p:tgtEl>
+                                          <p:spTgt spid="5">
+                                            <p:graphicEl>
+                                              <a:dgm id="{17F4154F-ADBF-41DD-8BE3-B0A13D2538AC}"/>
+                                            </p:graphicEl>
+                                          </p:spTgt>
+                                        </p:tgtEl>
+                                        <p:attrNameLst>
+                                          <p:attrName>style.visibility</p:attrName>
+                                        </p:attrNameLst>
+                                      </p:cBhvr>
+                                      <p:to>
+                                        <p:strVal val="visible"/>
+                                      </p:to>
+                                    </p:set>
+                                    <p:animEffect transition="in" filter="fade">
+                                      <p:cBhvr>
+                                        <p:cTn id="33" dur="1000"/>
+                                        <p:tgtEl>
+                                          <p:spTgt spid="5">
+                                            <p:graphicEl>
+                                              <a:dgm id="{17F4154F-ADBF-41DD-8BE3-B0A13D2538AC}"/>
+                                            </p:graphicEl>
+                                          </p:spTgt>
+                                        </p:tgtEl>
+                                      </p:cBhvr>
+                                    </p:animEffect>
+                                    <p:anim calcmode="lin" valueType="num">
+                                      <p:cBhvr>
+                                        <p:cTn id="34" dur="1000" fill="hold"/>
+                                        <p:tgtEl>
+                                          <p:spTgt spid="5">
+                                            <p:graphicEl>
+                                              <a:dgm id="{17F4154F-ADBF-41DD-8BE3-B0A13D2538AC}"/>
+                                            </p:graphicEl>
+                                          </p:spTgt>
+                                        </p:tgtEl>
+                                        <p:attrNameLst>
+                                          <p:attrName>ppt_x</p:attrName>
+                                        </p:attrNameLst>
+                                      </p:cBhvr>
+                                      <p:tavLst>
+                                        <p:tav tm="0">
+                                          <p:val>
+                                            <p:strVal val="#ppt_x"/>
+                                          </p:val>
+                                        </p:tav>
+                                        <p:tav tm="100000">
+                                          <p:val>
+                                            <p:strVal val="#ppt_x"/>
+                                          </p:val>
+                                        </p:tav>
+                                      </p:tavLst>
+                                    </p:anim>
+                                    <p:anim calcmode="lin" valueType="num">
+                                      <p:cBhvr>
+                                        <p:cTn id="35" dur="1000" fill="hold"/>
+                                        <p:tgtEl>
+                                          <p:spTgt spid="5">
+                                            <p:graphicEl>
+                                              <a:dgm id="{17F4154F-ADBF-41DD-8BE3-B0A13D2538AC}"/>
+                                            </p:graphicEl>
+                                          </p:spTgt>
+                                        </p:tgtEl>
+                                        <p:attrNameLst>
+                                          <p:attrName>ppt_y</p:attrName>
+                                        </p:attrNameLst>
+                                      </p:cBhvr>
+                                      <p:tavLst>
+                                        <p:tav tm="0">
+                                          <p:val>
+                                            <p:strVal val="#ppt_y+.1"/>
+                                          </p:val>
+                                        </p:tav>
+                                        <p:tav tm="100000">
+                                          <p:val>
+                                            <p:strVal val="#ppt_y"/>
+                                          </p:val>
+                                        </p:tav>
+                                      </p:tavLst>
+                                    </p:anim>
+                                  </p:childTnLst>
+                                </p:cTn>
+                              </p:par>
+                              <p:par>
+                                <p:cTn id="36" presetID="42" presetClass="entr" presetSubtype="0" fill="hold" grpId="0" nodeType="withEffect">
+                                  <p:stCondLst>
+                                    <p:cond delay="0"/>
+                                  </p:stCondLst>
+                                  <p:childTnLst>
+                                    <p:set>
+                                      <p:cBhvr>
+                                        <p:cTn id="37" dur="1" fill="hold">
+                                          <p:stCondLst>
+                                            <p:cond delay="0"/>
+                                          </p:stCondLst>
+                                        </p:cTn>
+                                        <p:tgtEl>
+                                          <p:spTgt spid="5">
+                                            <p:graphicEl>
+                                              <a:dgm id="{137F7701-CE70-441B-9D4D-E6C0FA9FB381}"/>
+                                            </p:graphicEl>
+                                          </p:spTgt>
+                                        </p:tgtEl>
+                                        <p:attrNameLst>
+                                          <p:attrName>style.visibility</p:attrName>
+                                        </p:attrNameLst>
+                                      </p:cBhvr>
+                                      <p:to>
+                                        <p:strVal val="visible"/>
+                                      </p:to>
+                                    </p:set>
+                                    <p:animEffect transition="in" filter="fade">
+                                      <p:cBhvr>
+                                        <p:cTn id="38" dur="1000"/>
+                                        <p:tgtEl>
+                                          <p:spTgt spid="5">
+                                            <p:graphicEl>
+                                              <a:dgm id="{137F7701-CE70-441B-9D4D-E6C0FA9FB381}"/>
+                                            </p:graphicEl>
+                                          </p:spTgt>
+                                        </p:tgtEl>
+                                      </p:cBhvr>
+                                    </p:animEffect>
+                                    <p:anim calcmode="lin" valueType="num">
+                                      <p:cBhvr>
+                                        <p:cTn id="39" dur="1000" fill="hold"/>
+                                        <p:tgtEl>
+                                          <p:spTgt spid="5">
+                                            <p:graphicEl>
+                                              <a:dgm id="{137F7701-CE70-441B-9D4D-E6C0FA9FB381}"/>
+                                            </p:graphicEl>
+                                          </p:spTgt>
+                                        </p:tgtEl>
+                                        <p:attrNameLst>
+                                          <p:attrName>ppt_x</p:attrName>
+                                        </p:attrNameLst>
+                                      </p:cBhvr>
+                                      <p:tavLst>
+                                        <p:tav tm="0">
+                                          <p:val>
+                                            <p:strVal val="#ppt_x"/>
+                                          </p:val>
+                                        </p:tav>
+                                        <p:tav tm="100000">
+                                          <p:val>
+                                            <p:strVal val="#ppt_x"/>
+                                          </p:val>
+                                        </p:tav>
+                                      </p:tavLst>
+                                    </p:anim>
+                                    <p:anim calcmode="lin" valueType="num">
+                                      <p:cBhvr>
+                                        <p:cTn id="40" dur="1000" fill="hold"/>
+                                        <p:tgtEl>
+                                          <p:spTgt spid="5">
+                                            <p:graphicEl>
+                                              <a:dgm id="{137F7701-CE70-441B-9D4D-E6C0FA9FB381}"/>
+                                            </p:graphicEl>
+                                          </p:spTgt>
+                                        </p:tgtEl>
+                                        <p:attrNameLst>
+                                          <p:attrName>ppt_y</p:attrName>
+                                        </p:attrNameLst>
+                                      </p:cBhvr>
+                                      <p:tavLst>
+                                        <p:tav tm="0">
+                                          <p:val>
+                                            <p:strVal val="#ppt_y+.1"/>
+                                          </p:val>
+                                        </p:tav>
+                                        <p:tav tm="100000">
+                                          <p:val>
+                                            <p:strVal val="#ppt_y"/>
+                                          </p:val>
+                                        </p:tav>
+                                      </p:tavLst>
+                                    </p:anim>
+                                  </p:childTnLst>
+                                </p:cTn>
+                              </p:par>
+                              <p:par>
+                                <p:cTn id="41" presetID="42" presetClass="entr" presetSubtype="0" fill="hold" grpId="0" nodeType="withEffect">
+                                  <p:stCondLst>
+                                    <p:cond delay="0"/>
+                                  </p:stCondLst>
+                                  <p:childTnLst>
+                                    <p:set>
+                                      <p:cBhvr>
+                                        <p:cTn id="42" dur="1" fill="hold">
+                                          <p:stCondLst>
+                                            <p:cond delay="0"/>
+                                          </p:stCondLst>
+                                        </p:cTn>
+                                        <p:tgtEl>
+                                          <p:spTgt spid="5">
+                                            <p:graphicEl>
+                                              <a:dgm id="{7A38A738-D482-4C89-8D29-A3339231F185}"/>
+                                            </p:graphicEl>
+                                          </p:spTgt>
+                                        </p:tgtEl>
+                                        <p:attrNameLst>
+                                          <p:attrName>style.visibility</p:attrName>
+                                        </p:attrNameLst>
+                                      </p:cBhvr>
+                                      <p:to>
+                                        <p:strVal val="visible"/>
+                                      </p:to>
+                                    </p:set>
+                                    <p:animEffect transition="in" filter="fade">
+                                      <p:cBhvr>
+                                        <p:cTn id="43" dur="1000"/>
+                                        <p:tgtEl>
+                                          <p:spTgt spid="5">
+                                            <p:graphicEl>
+                                              <a:dgm id="{7A38A738-D482-4C89-8D29-A3339231F185}"/>
+                                            </p:graphicEl>
+                                          </p:spTgt>
+                                        </p:tgtEl>
+                                      </p:cBhvr>
+                                    </p:animEffect>
+                                    <p:anim calcmode="lin" valueType="num">
+                                      <p:cBhvr>
+                                        <p:cTn id="44" dur="1000" fill="hold"/>
+                                        <p:tgtEl>
+                                          <p:spTgt spid="5">
+                                            <p:graphicEl>
+                                              <a:dgm id="{7A38A738-D482-4C89-8D29-A3339231F185}"/>
+                                            </p:graphicEl>
+                                          </p:spTgt>
+                                        </p:tgtEl>
+                                        <p:attrNameLst>
+                                          <p:attrName>ppt_x</p:attrName>
+                                        </p:attrNameLst>
+                                      </p:cBhvr>
+                                      <p:tavLst>
+                                        <p:tav tm="0">
+                                          <p:val>
+                                            <p:strVal val="#ppt_x"/>
+                                          </p:val>
+                                        </p:tav>
+                                        <p:tav tm="100000">
+                                          <p:val>
+                                            <p:strVal val="#ppt_x"/>
+                                          </p:val>
+                                        </p:tav>
+                                      </p:tavLst>
+                                    </p:anim>
+                                    <p:anim calcmode="lin" valueType="num">
+                                      <p:cBhvr>
+                                        <p:cTn id="45" dur="1000" fill="hold"/>
+                                        <p:tgtEl>
+                                          <p:spTgt spid="5">
+                                            <p:graphicEl>
+                                              <a:dgm id="{7A38A738-D482-4C89-8D29-A3339231F185}"/>
+                                            </p:graphicEl>
+                                          </p:spTgt>
+                                        </p:tgtEl>
+                                        <p:attrNameLst>
+                                          <p:attrName>ppt_y</p:attrName>
+                                        </p:attrNameLst>
+                                      </p:cBhvr>
+                                      <p:tavLst>
+                                        <p:tav tm="0">
+                                          <p:val>
+                                            <p:strVal val="#ppt_y+.1"/>
+                                          </p:val>
+                                        </p:tav>
+                                        <p:tav tm="100000">
+                                          <p:val>
+                                            <p:strVal val="#ppt_y"/>
+                                          </p:val>
+                                        </p:tav>
+                                      </p:tavLst>
+                                    </p:anim>
+                                  </p:childTnLst>
+                                </p:cTn>
+                              </p:par>
+                            </p:childTnLst>
+                          </p:cTn>
+                        </p:par>
+                      </p:childTnLst>
+                    </p:cTn>
+                  </p:par>
+                </p:childTnLst>
+              </p:cTn>
+              <p:prevCondLst>
+                <p:cond evt="onPrev" delay="0">
+                  <p:tgtEl>
+                    <p:sldTgt/>
+                  </p:tgtEl>
+                </p:cond>
+              </p:prevCondLst>
+              <p:nextCondLst>
+                <p:cond evt="onNext" delay="0">
+                  <p:tgtEl>
+                    <p:sldTgt/>
+                  </p:tgtEl>
+                </p:cond>
+              </p:nextCondLst>
+            </p:seq>
+          </p:childTnLst>
+        </p:cTn>
+      </p:par>
+    </p:tnLst>
+    <p:bldLst>
+      <p:bldGraphic spid="5" grpId="0" uiExpand="1">
+        <p:bldSub>
+          <a:bldDgm bld="one"/>
+        </p:bldSub>
+      </p:bldGraphic>
+    </p:bldLst>
+  </p:timing>
 </p:sld>
 </file>
 
@@ -37176,6 +39487,619 @@
   <p:clrMapOvr>
     <a:overrideClrMapping bg1="lt1" tx1="dk1" bg2="lt2" tx2="dk2" accent1="accent1" accent2="accent2" accent3="accent3" accent4="accent4" accent5="accent5" accent6="accent6" hlink="hlink" folHlink="folHlink"/>
   </p:clrMapOvr>
+  <mc:AlternateContent xmlns:mc="http://schemas.openxmlformats.org/markup-compatibility/2006">
+    <mc:Choice xmlns:p14="http://schemas.microsoft.com/office/powerpoint/2010/main" Requires="p14">
+      <p:transition spd="med" p14:dur="700">
+        <p:fade/>
+      </p:transition>
+    </mc:Choice>
+    <mc:Fallback>
+      <p:transition spd="med">
+        <p:fade/>
+      </p:transition>
+    </mc:Fallback>
+  </mc:AlternateContent>
+  <p:timing>
+    <p:tnLst>
+      <p:par>
+        <p:cTn id="1" dur="indefinite" restart="never" nodeType="tmRoot">
+          <p:childTnLst>
+            <p:seq concurrent="1" nextAc="seek">
+              <p:cTn id="2" dur="indefinite" nodeType="mainSeq">
+                <p:childTnLst>
+                  <p:par>
+                    <p:cTn id="3" fill="hold">
+                      <p:stCondLst>
+                        <p:cond delay="indefinite"/>
+                        <p:cond evt="onBegin" delay="0">
+                          <p:tn val="2"/>
+                        </p:cond>
+                      </p:stCondLst>
+                      <p:childTnLst>
+                        <p:par>
+                          <p:cTn id="4" fill="hold">
+                            <p:stCondLst>
+                              <p:cond delay="0"/>
+                            </p:stCondLst>
+                            <p:childTnLst>
+                              <p:par>
+                                <p:cTn id="5" presetID="10" presetClass="entr" presetSubtype="0" fill="hold" grpId="0" nodeType="withEffect">
+                                  <p:stCondLst>
+                                    <p:cond delay="0"/>
+                                  </p:stCondLst>
+                                  <p:childTnLst>
+                                    <p:set>
+                                      <p:cBhvr>
+                                        <p:cTn id="6" dur="1" fill="hold">
+                                          <p:stCondLst>
+                                            <p:cond delay="0"/>
+                                          </p:stCondLst>
+                                        </p:cTn>
+                                        <p:tgtEl>
+                                          <p:spTgt spid="5">
+                                            <p:graphicEl>
+                                              <a:dgm id="{4BB39696-EA3D-4223-94FB-09D5A21B47A4}"/>
+                                            </p:graphicEl>
+                                          </p:spTgt>
+                                        </p:tgtEl>
+                                        <p:attrNameLst>
+                                          <p:attrName>style.visibility</p:attrName>
+                                        </p:attrNameLst>
+                                      </p:cBhvr>
+                                      <p:to>
+                                        <p:strVal val="visible"/>
+                                      </p:to>
+                                    </p:set>
+                                    <p:animEffect transition="in" filter="fade">
+                                      <p:cBhvr>
+                                        <p:cTn id="7" dur="500"/>
+                                        <p:tgtEl>
+                                          <p:spTgt spid="5">
+                                            <p:graphicEl>
+                                              <a:dgm id="{4BB39696-EA3D-4223-94FB-09D5A21B47A4}"/>
+                                            </p:graphicEl>
+                                          </p:spTgt>
+                                        </p:tgtEl>
+                                      </p:cBhvr>
+                                    </p:animEffect>
+                                  </p:childTnLst>
+                                </p:cTn>
+                              </p:par>
+                              <p:par>
+                                <p:cTn id="8" presetID="10" presetClass="entr" presetSubtype="0" fill="hold" grpId="0" nodeType="withEffect">
+                                  <p:stCondLst>
+                                    <p:cond delay="0"/>
+                                  </p:stCondLst>
+                                  <p:childTnLst>
+                                    <p:set>
+                                      <p:cBhvr>
+                                        <p:cTn id="9" dur="1" fill="hold">
+                                          <p:stCondLst>
+                                            <p:cond delay="0"/>
+                                          </p:stCondLst>
+                                        </p:cTn>
+                                        <p:tgtEl>
+                                          <p:spTgt spid="5">
+                                            <p:graphicEl>
+                                              <a:dgm id="{66CB3612-2C46-4419-A85C-9790CD0A9BE4}"/>
+                                            </p:graphicEl>
+                                          </p:spTgt>
+                                        </p:tgtEl>
+                                        <p:attrNameLst>
+                                          <p:attrName>style.visibility</p:attrName>
+                                        </p:attrNameLst>
+                                      </p:cBhvr>
+                                      <p:to>
+                                        <p:strVal val="visible"/>
+                                      </p:to>
+                                    </p:set>
+                                    <p:animEffect transition="in" filter="fade">
+                                      <p:cBhvr>
+                                        <p:cTn id="10" dur="500"/>
+                                        <p:tgtEl>
+                                          <p:spTgt spid="5">
+                                            <p:graphicEl>
+                                              <a:dgm id="{66CB3612-2C46-4419-A85C-9790CD0A9BE4}"/>
+                                            </p:graphicEl>
+                                          </p:spTgt>
+                                        </p:tgtEl>
+                                      </p:cBhvr>
+                                    </p:animEffect>
+                                  </p:childTnLst>
+                                </p:cTn>
+                              </p:par>
+                              <p:par>
+                                <p:cTn id="11" presetID="10" presetClass="entr" presetSubtype="0" fill="hold" grpId="0" nodeType="withEffect">
+                                  <p:stCondLst>
+                                    <p:cond delay="0"/>
+                                  </p:stCondLst>
+                                  <p:childTnLst>
+                                    <p:set>
+                                      <p:cBhvr>
+                                        <p:cTn id="12" dur="1" fill="hold">
+                                          <p:stCondLst>
+                                            <p:cond delay="0"/>
+                                          </p:stCondLst>
+                                        </p:cTn>
+                                        <p:tgtEl>
+                                          <p:spTgt spid="5">
+                                            <p:graphicEl>
+                                              <a:dgm id="{C10E61D5-D2D5-4698-B0F1-2282B5F5CE56}"/>
+                                            </p:graphicEl>
+                                          </p:spTgt>
+                                        </p:tgtEl>
+                                        <p:attrNameLst>
+                                          <p:attrName>style.visibility</p:attrName>
+                                        </p:attrNameLst>
+                                      </p:cBhvr>
+                                      <p:to>
+                                        <p:strVal val="visible"/>
+                                      </p:to>
+                                    </p:set>
+                                    <p:animEffect transition="in" filter="fade">
+                                      <p:cBhvr>
+                                        <p:cTn id="13" dur="500"/>
+                                        <p:tgtEl>
+                                          <p:spTgt spid="5">
+                                            <p:graphicEl>
+                                              <a:dgm id="{C10E61D5-D2D5-4698-B0F1-2282B5F5CE56}"/>
+                                            </p:graphicEl>
+                                          </p:spTgt>
+                                        </p:tgtEl>
+                                      </p:cBhvr>
+                                    </p:animEffect>
+                                  </p:childTnLst>
+                                </p:cTn>
+                              </p:par>
+                            </p:childTnLst>
+                          </p:cTn>
+                        </p:par>
+                        <p:par>
+                          <p:cTn id="14" fill="hold">
+                            <p:stCondLst>
+                              <p:cond delay="500"/>
+                            </p:stCondLst>
+                            <p:childTnLst>
+                              <p:par>
+                                <p:cTn id="15" presetID="10" presetClass="entr" presetSubtype="0" fill="hold" grpId="0" nodeType="afterEffect">
+                                  <p:stCondLst>
+                                    <p:cond delay="0"/>
+                                  </p:stCondLst>
+                                  <p:childTnLst>
+                                    <p:set>
+                                      <p:cBhvr>
+                                        <p:cTn id="16" dur="1" fill="hold">
+                                          <p:stCondLst>
+                                            <p:cond delay="0"/>
+                                          </p:stCondLst>
+                                        </p:cTn>
+                                        <p:tgtEl>
+                                          <p:spTgt spid="5">
+                                            <p:graphicEl>
+                                              <a:dgm id="{C23A5063-BF92-46E4-A3F7-C286574CD32B}"/>
+                                            </p:graphicEl>
+                                          </p:spTgt>
+                                        </p:tgtEl>
+                                        <p:attrNameLst>
+                                          <p:attrName>style.visibility</p:attrName>
+                                        </p:attrNameLst>
+                                      </p:cBhvr>
+                                      <p:to>
+                                        <p:strVal val="visible"/>
+                                      </p:to>
+                                    </p:set>
+                                    <p:animEffect transition="in" filter="fade">
+                                      <p:cBhvr>
+                                        <p:cTn id="17" dur="500"/>
+                                        <p:tgtEl>
+                                          <p:spTgt spid="5">
+                                            <p:graphicEl>
+                                              <a:dgm id="{C23A5063-BF92-46E4-A3F7-C286574CD32B}"/>
+                                            </p:graphicEl>
+                                          </p:spTgt>
+                                        </p:tgtEl>
+                                      </p:cBhvr>
+                                    </p:animEffect>
+                                  </p:childTnLst>
+                                </p:cTn>
+                              </p:par>
+                              <p:par>
+                                <p:cTn id="18" presetID="10" presetClass="entr" presetSubtype="0" fill="hold" grpId="0" nodeType="withEffect">
+                                  <p:stCondLst>
+                                    <p:cond delay="0"/>
+                                  </p:stCondLst>
+                                  <p:childTnLst>
+                                    <p:set>
+                                      <p:cBhvr>
+                                        <p:cTn id="19" dur="1" fill="hold">
+                                          <p:stCondLst>
+                                            <p:cond delay="0"/>
+                                          </p:stCondLst>
+                                        </p:cTn>
+                                        <p:tgtEl>
+                                          <p:spTgt spid="5">
+                                            <p:graphicEl>
+                                              <a:dgm id="{2F24DF46-7114-4834-BE9F-E49CED992A10}"/>
+                                            </p:graphicEl>
+                                          </p:spTgt>
+                                        </p:tgtEl>
+                                        <p:attrNameLst>
+                                          <p:attrName>style.visibility</p:attrName>
+                                        </p:attrNameLst>
+                                      </p:cBhvr>
+                                      <p:to>
+                                        <p:strVal val="visible"/>
+                                      </p:to>
+                                    </p:set>
+                                    <p:animEffect transition="in" filter="fade">
+                                      <p:cBhvr>
+                                        <p:cTn id="20" dur="500"/>
+                                        <p:tgtEl>
+                                          <p:spTgt spid="5">
+                                            <p:graphicEl>
+                                              <a:dgm id="{2F24DF46-7114-4834-BE9F-E49CED992A10}"/>
+                                            </p:graphicEl>
+                                          </p:spTgt>
+                                        </p:tgtEl>
+                                      </p:cBhvr>
+                                    </p:animEffect>
+                                  </p:childTnLst>
+                                </p:cTn>
+                              </p:par>
+                              <p:par>
+                                <p:cTn id="21" presetID="10" presetClass="entr" presetSubtype="0" fill="hold" grpId="0" nodeType="withEffect">
+                                  <p:stCondLst>
+                                    <p:cond delay="0"/>
+                                  </p:stCondLst>
+                                  <p:childTnLst>
+                                    <p:set>
+                                      <p:cBhvr>
+                                        <p:cTn id="22" dur="1" fill="hold">
+                                          <p:stCondLst>
+                                            <p:cond delay="0"/>
+                                          </p:stCondLst>
+                                        </p:cTn>
+                                        <p:tgtEl>
+                                          <p:spTgt spid="5">
+                                            <p:graphicEl>
+                                              <a:dgm id="{24CA01EE-09AF-448A-A391-3D25F840743E}"/>
+                                            </p:graphicEl>
+                                          </p:spTgt>
+                                        </p:tgtEl>
+                                        <p:attrNameLst>
+                                          <p:attrName>style.visibility</p:attrName>
+                                        </p:attrNameLst>
+                                      </p:cBhvr>
+                                      <p:to>
+                                        <p:strVal val="visible"/>
+                                      </p:to>
+                                    </p:set>
+                                    <p:animEffect transition="in" filter="fade">
+                                      <p:cBhvr>
+                                        <p:cTn id="23" dur="500"/>
+                                        <p:tgtEl>
+                                          <p:spTgt spid="5">
+                                            <p:graphicEl>
+                                              <a:dgm id="{24CA01EE-09AF-448A-A391-3D25F840743E}"/>
+                                            </p:graphicEl>
+                                          </p:spTgt>
+                                        </p:tgtEl>
+                                      </p:cBhvr>
+                                    </p:animEffect>
+                                  </p:childTnLst>
+                                </p:cTn>
+                              </p:par>
+                            </p:childTnLst>
+                          </p:cTn>
+                        </p:par>
+                        <p:par>
+                          <p:cTn id="24" fill="hold">
+                            <p:stCondLst>
+                              <p:cond delay="1000"/>
+                            </p:stCondLst>
+                            <p:childTnLst>
+                              <p:par>
+                                <p:cTn id="25" presetID="10" presetClass="entr" presetSubtype="0" fill="hold" grpId="0" nodeType="afterEffect">
+                                  <p:stCondLst>
+                                    <p:cond delay="0"/>
+                                  </p:stCondLst>
+                                  <p:childTnLst>
+                                    <p:set>
+                                      <p:cBhvr>
+                                        <p:cTn id="26" dur="1" fill="hold">
+                                          <p:stCondLst>
+                                            <p:cond delay="0"/>
+                                          </p:stCondLst>
+                                        </p:cTn>
+                                        <p:tgtEl>
+                                          <p:spTgt spid="5">
+                                            <p:graphicEl>
+                                              <a:dgm id="{4B0F8939-D25D-4A23-92E4-37CA70419D31}"/>
+                                            </p:graphicEl>
+                                          </p:spTgt>
+                                        </p:tgtEl>
+                                        <p:attrNameLst>
+                                          <p:attrName>style.visibility</p:attrName>
+                                        </p:attrNameLst>
+                                      </p:cBhvr>
+                                      <p:to>
+                                        <p:strVal val="visible"/>
+                                      </p:to>
+                                    </p:set>
+                                    <p:animEffect transition="in" filter="fade">
+                                      <p:cBhvr>
+                                        <p:cTn id="27" dur="500"/>
+                                        <p:tgtEl>
+                                          <p:spTgt spid="5">
+                                            <p:graphicEl>
+                                              <a:dgm id="{4B0F8939-D25D-4A23-92E4-37CA70419D31}"/>
+                                            </p:graphicEl>
+                                          </p:spTgt>
+                                        </p:tgtEl>
+                                      </p:cBhvr>
+                                    </p:animEffect>
+                                  </p:childTnLst>
+                                </p:cTn>
+                              </p:par>
+                              <p:par>
+                                <p:cTn id="28" presetID="10" presetClass="entr" presetSubtype="0" fill="hold" grpId="0" nodeType="withEffect">
+                                  <p:stCondLst>
+                                    <p:cond delay="0"/>
+                                  </p:stCondLst>
+                                  <p:childTnLst>
+                                    <p:set>
+                                      <p:cBhvr>
+                                        <p:cTn id="29" dur="1" fill="hold">
+                                          <p:stCondLst>
+                                            <p:cond delay="0"/>
+                                          </p:stCondLst>
+                                        </p:cTn>
+                                        <p:tgtEl>
+                                          <p:spTgt spid="5">
+                                            <p:graphicEl>
+                                              <a:dgm id="{14433448-17FD-45A0-9BD1-A88AEA39EC05}"/>
+                                            </p:graphicEl>
+                                          </p:spTgt>
+                                        </p:tgtEl>
+                                        <p:attrNameLst>
+                                          <p:attrName>style.visibility</p:attrName>
+                                        </p:attrNameLst>
+                                      </p:cBhvr>
+                                      <p:to>
+                                        <p:strVal val="visible"/>
+                                      </p:to>
+                                    </p:set>
+                                    <p:animEffect transition="in" filter="fade">
+                                      <p:cBhvr>
+                                        <p:cTn id="30" dur="500"/>
+                                        <p:tgtEl>
+                                          <p:spTgt spid="5">
+                                            <p:graphicEl>
+                                              <a:dgm id="{14433448-17FD-45A0-9BD1-A88AEA39EC05}"/>
+                                            </p:graphicEl>
+                                          </p:spTgt>
+                                        </p:tgtEl>
+                                      </p:cBhvr>
+                                    </p:animEffect>
+                                  </p:childTnLst>
+                                </p:cTn>
+                              </p:par>
+                              <p:par>
+                                <p:cTn id="31" presetID="10" presetClass="entr" presetSubtype="0" fill="hold" grpId="0" nodeType="withEffect">
+                                  <p:stCondLst>
+                                    <p:cond delay="0"/>
+                                  </p:stCondLst>
+                                  <p:childTnLst>
+                                    <p:set>
+                                      <p:cBhvr>
+                                        <p:cTn id="32" dur="1" fill="hold">
+                                          <p:stCondLst>
+                                            <p:cond delay="0"/>
+                                          </p:stCondLst>
+                                        </p:cTn>
+                                        <p:tgtEl>
+                                          <p:spTgt spid="5">
+                                            <p:graphicEl>
+                                              <a:dgm id="{66E3CC8D-D91C-4DB5-9F71-4ACAF7F95917}"/>
+                                            </p:graphicEl>
+                                          </p:spTgt>
+                                        </p:tgtEl>
+                                        <p:attrNameLst>
+                                          <p:attrName>style.visibility</p:attrName>
+                                        </p:attrNameLst>
+                                      </p:cBhvr>
+                                      <p:to>
+                                        <p:strVal val="visible"/>
+                                      </p:to>
+                                    </p:set>
+                                    <p:animEffect transition="in" filter="fade">
+                                      <p:cBhvr>
+                                        <p:cTn id="33" dur="500"/>
+                                        <p:tgtEl>
+                                          <p:spTgt spid="5">
+                                            <p:graphicEl>
+                                              <a:dgm id="{66E3CC8D-D91C-4DB5-9F71-4ACAF7F95917}"/>
+                                            </p:graphicEl>
+                                          </p:spTgt>
+                                        </p:tgtEl>
+                                      </p:cBhvr>
+                                    </p:animEffect>
+                                  </p:childTnLst>
+                                </p:cTn>
+                              </p:par>
+                            </p:childTnLst>
+                          </p:cTn>
+                        </p:par>
+                        <p:par>
+                          <p:cTn id="34" fill="hold">
+                            <p:stCondLst>
+                              <p:cond delay="1500"/>
+                            </p:stCondLst>
+                            <p:childTnLst>
+                              <p:par>
+                                <p:cTn id="35" presetID="10" presetClass="entr" presetSubtype="0" fill="hold" grpId="0" nodeType="afterEffect">
+                                  <p:stCondLst>
+                                    <p:cond delay="0"/>
+                                  </p:stCondLst>
+                                  <p:childTnLst>
+                                    <p:set>
+                                      <p:cBhvr>
+                                        <p:cTn id="36" dur="1" fill="hold">
+                                          <p:stCondLst>
+                                            <p:cond delay="0"/>
+                                          </p:stCondLst>
+                                        </p:cTn>
+                                        <p:tgtEl>
+                                          <p:spTgt spid="5">
+                                            <p:graphicEl>
+                                              <a:dgm id="{0398F499-304E-4AC5-9756-25B70110F2B4}"/>
+                                            </p:graphicEl>
+                                          </p:spTgt>
+                                        </p:tgtEl>
+                                        <p:attrNameLst>
+                                          <p:attrName>style.visibility</p:attrName>
+                                        </p:attrNameLst>
+                                      </p:cBhvr>
+                                      <p:to>
+                                        <p:strVal val="visible"/>
+                                      </p:to>
+                                    </p:set>
+                                    <p:animEffect transition="in" filter="fade">
+                                      <p:cBhvr>
+                                        <p:cTn id="37" dur="500"/>
+                                        <p:tgtEl>
+                                          <p:spTgt spid="5">
+                                            <p:graphicEl>
+                                              <a:dgm id="{0398F499-304E-4AC5-9756-25B70110F2B4}"/>
+                                            </p:graphicEl>
+                                          </p:spTgt>
+                                        </p:tgtEl>
+                                      </p:cBhvr>
+                                    </p:animEffect>
+                                  </p:childTnLst>
+                                </p:cTn>
+                              </p:par>
+                              <p:par>
+                                <p:cTn id="38" presetID="10" presetClass="entr" presetSubtype="0" fill="hold" grpId="0" nodeType="withEffect">
+                                  <p:stCondLst>
+                                    <p:cond delay="0"/>
+                                  </p:stCondLst>
+                                  <p:childTnLst>
+                                    <p:set>
+                                      <p:cBhvr>
+                                        <p:cTn id="39" dur="1" fill="hold">
+                                          <p:stCondLst>
+                                            <p:cond delay="0"/>
+                                          </p:stCondLst>
+                                        </p:cTn>
+                                        <p:tgtEl>
+                                          <p:spTgt spid="5">
+                                            <p:graphicEl>
+                                              <a:dgm id="{ADFB8619-2BE9-4206-983C-8BB1B18B2E4E}"/>
+                                            </p:graphicEl>
+                                          </p:spTgt>
+                                        </p:tgtEl>
+                                        <p:attrNameLst>
+                                          <p:attrName>style.visibility</p:attrName>
+                                        </p:attrNameLst>
+                                      </p:cBhvr>
+                                      <p:to>
+                                        <p:strVal val="visible"/>
+                                      </p:to>
+                                    </p:set>
+                                    <p:animEffect transition="in" filter="fade">
+                                      <p:cBhvr>
+                                        <p:cTn id="40" dur="500"/>
+                                        <p:tgtEl>
+                                          <p:spTgt spid="5">
+                                            <p:graphicEl>
+                                              <a:dgm id="{ADFB8619-2BE9-4206-983C-8BB1B18B2E4E}"/>
+                                            </p:graphicEl>
+                                          </p:spTgt>
+                                        </p:tgtEl>
+                                      </p:cBhvr>
+                                    </p:animEffect>
+                                  </p:childTnLst>
+                                </p:cTn>
+                              </p:par>
+                              <p:par>
+                                <p:cTn id="41" presetID="10" presetClass="entr" presetSubtype="0" fill="hold" grpId="0" nodeType="withEffect">
+                                  <p:stCondLst>
+                                    <p:cond delay="0"/>
+                                  </p:stCondLst>
+                                  <p:childTnLst>
+                                    <p:set>
+                                      <p:cBhvr>
+                                        <p:cTn id="42" dur="1" fill="hold">
+                                          <p:stCondLst>
+                                            <p:cond delay="0"/>
+                                          </p:stCondLst>
+                                        </p:cTn>
+                                        <p:tgtEl>
+                                          <p:spTgt spid="5">
+                                            <p:graphicEl>
+                                              <a:dgm id="{C3720F79-6C2B-481D-8C39-C8786CAE5E77}"/>
+                                            </p:graphicEl>
+                                          </p:spTgt>
+                                        </p:tgtEl>
+                                        <p:attrNameLst>
+                                          <p:attrName>style.visibility</p:attrName>
+                                        </p:attrNameLst>
+                                      </p:cBhvr>
+                                      <p:to>
+                                        <p:strVal val="visible"/>
+                                      </p:to>
+                                    </p:set>
+                                    <p:animEffect transition="in" filter="fade">
+                                      <p:cBhvr>
+                                        <p:cTn id="43" dur="500"/>
+                                        <p:tgtEl>
+                                          <p:spTgt spid="5">
+                                            <p:graphicEl>
+                                              <a:dgm id="{C3720F79-6C2B-481D-8C39-C8786CAE5E77}"/>
+                                            </p:graphicEl>
+                                          </p:spTgt>
+                                        </p:tgtEl>
+                                      </p:cBhvr>
+                                    </p:animEffect>
+                                  </p:childTnLst>
+                                </p:cTn>
+                              </p:par>
+                            </p:childTnLst>
+                          </p:cTn>
+                        </p:par>
+                      </p:childTnLst>
+                    </p:cTn>
+                  </p:par>
+                </p:childTnLst>
+              </p:cTn>
+              <p:prevCondLst>
+                <p:cond evt="onPrev" delay="0">
+                  <p:tgtEl>
+                    <p:sldTgt/>
+                  </p:tgtEl>
+                </p:cond>
+              </p:prevCondLst>
+              <p:nextCondLst>
+                <p:cond evt="onNext" delay="0">
+                  <p:tgtEl>
+                    <p:sldTgt/>
+                  </p:tgtEl>
+                </p:cond>
+              </p:nextCondLst>
+            </p:seq>
+          </p:childTnLst>
+        </p:cTn>
+      </p:par>
+    </p:tnLst>
+    <p:bldLst>
+      <p:bldGraphic spid="5" grpId="0" uiExpand="1">
+        <p:bldSub>
+          <a:bldDgm bld="one"/>
+        </p:bldSub>
+      </p:bldGraphic>
+    </p:bldLst>
+  </p:timing>
 </p:sld>
 </file>
 
@@ -37271,7 +40195,7 @@
             <p:ph idx="1"/>
             <p:extLst>
               <p:ext uri="{D42A27DB-BD31-4B8C-83A1-F6EECF244321}">
-                <p14:modId xmlns:p14="http://schemas.microsoft.com/office/powerpoint/2010/main" val="4249184371"/>
+                <p14:modId xmlns:p14="http://schemas.microsoft.com/office/powerpoint/2010/main" val="2750706822"/>
               </p:ext>
             </p:extLst>
           </p:nvPr>
@@ -37296,6 +40220,868 @@
   <p:clrMapOvr>
     <a:masterClrMapping/>
   </p:clrMapOvr>
+  <mc:AlternateContent xmlns:mc="http://schemas.openxmlformats.org/markup-compatibility/2006">
+    <mc:Choice xmlns:p14="http://schemas.microsoft.com/office/powerpoint/2010/main" Requires="p14">
+      <p:transition spd="med" p14:dur="700">
+        <p:fade/>
+      </p:transition>
+    </mc:Choice>
+    <mc:Fallback>
+      <p:transition spd="med">
+        <p:fade/>
+      </p:transition>
+    </mc:Fallback>
+  </mc:AlternateContent>
+  <p:timing>
+    <p:tnLst>
+      <p:par>
+        <p:cTn id="1" dur="indefinite" restart="never" nodeType="tmRoot">
+          <p:childTnLst>
+            <p:seq concurrent="1" nextAc="seek">
+              <p:cTn id="2" dur="indefinite" nodeType="mainSeq">
+                <p:childTnLst>
+                  <p:par>
+                    <p:cTn id="3" fill="hold">
+                      <p:stCondLst>
+                        <p:cond delay="indefinite"/>
+                        <p:cond evt="onBegin" delay="0">
+                          <p:tn val="2"/>
+                        </p:cond>
+                      </p:stCondLst>
+                      <p:childTnLst>
+                        <p:par>
+                          <p:cTn id="4" fill="hold">
+                            <p:stCondLst>
+                              <p:cond delay="0"/>
+                            </p:stCondLst>
+                            <p:childTnLst>
+                              <p:par>
+                                <p:cTn id="5" presetID="23" presetClass="entr" presetSubtype="16" fill="hold" grpId="0" nodeType="withEffect">
+                                  <p:stCondLst>
+                                    <p:cond delay="0"/>
+                                  </p:stCondLst>
+                                  <p:childTnLst>
+                                    <p:set>
+                                      <p:cBhvr>
+                                        <p:cTn id="6" dur="1" fill="hold">
+                                          <p:stCondLst>
+                                            <p:cond delay="0"/>
+                                          </p:stCondLst>
+                                        </p:cTn>
+                                        <p:tgtEl>
+                                          <p:spTgt spid="17">
+                                            <p:graphicEl>
+                                              <a:dgm id="{81000F37-9E9E-8D4B-8F30-54C21DE320A0}"/>
+                                            </p:graphicEl>
+                                          </p:spTgt>
+                                        </p:tgtEl>
+                                        <p:attrNameLst>
+                                          <p:attrName>style.visibility</p:attrName>
+                                        </p:attrNameLst>
+                                      </p:cBhvr>
+                                      <p:to>
+                                        <p:strVal val="visible"/>
+                                      </p:to>
+                                    </p:set>
+                                    <p:anim calcmode="lin" valueType="num">
+                                      <p:cBhvr>
+                                        <p:cTn id="7" dur="500" fill="hold"/>
+                                        <p:tgtEl>
+                                          <p:spTgt spid="17">
+                                            <p:graphicEl>
+                                              <a:dgm id="{81000F37-9E9E-8D4B-8F30-54C21DE320A0}"/>
+                                            </p:graphicEl>
+                                          </p:spTgt>
+                                        </p:tgtEl>
+                                        <p:attrNameLst>
+                                          <p:attrName>ppt_w</p:attrName>
+                                        </p:attrNameLst>
+                                      </p:cBhvr>
+                                      <p:tavLst>
+                                        <p:tav tm="0">
+                                          <p:val>
+                                            <p:fltVal val="0"/>
+                                          </p:val>
+                                        </p:tav>
+                                        <p:tav tm="100000">
+                                          <p:val>
+                                            <p:strVal val="#ppt_w"/>
+                                          </p:val>
+                                        </p:tav>
+                                      </p:tavLst>
+                                    </p:anim>
+                                    <p:anim calcmode="lin" valueType="num">
+                                      <p:cBhvr>
+                                        <p:cTn id="8" dur="500" fill="hold"/>
+                                        <p:tgtEl>
+                                          <p:spTgt spid="17">
+                                            <p:graphicEl>
+                                              <a:dgm id="{81000F37-9E9E-8D4B-8F30-54C21DE320A0}"/>
+                                            </p:graphicEl>
+                                          </p:spTgt>
+                                        </p:tgtEl>
+                                        <p:attrNameLst>
+                                          <p:attrName>ppt_h</p:attrName>
+                                        </p:attrNameLst>
+                                      </p:cBhvr>
+                                      <p:tavLst>
+                                        <p:tav tm="0">
+                                          <p:val>
+                                            <p:fltVal val="0"/>
+                                          </p:val>
+                                        </p:tav>
+                                        <p:tav tm="100000">
+                                          <p:val>
+                                            <p:strVal val="#ppt_h"/>
+                                          </p:val>
+                                        </p:tav>
+                                      </p:tavLst>
+                                    </p:anim>
+                                  </p:childTnLst>
+                                </p:cTn>
+                              </p:par>
+                            </p:childTnLst>
+                          </p:cTn>
+                        </p:par>
+                        <p:par>
+                          <p:cTn id="9" fill="hold">
+                            <p:stCondLst>
+                              <p:cond delay="500"/>
+                            </p:stCondLst>
+                            <p:childTnLst>
+                              <p:par>
+                                <p:cTn id="10" presetID="23" presetClass="entr" presetSubtype="16" fill="hold" grpId="0" nodeType="afterEffect">
+                                  <p:stCondLst>
+                                    <p:cond delay="0"/>
+                                  </p:stCondLst>
+                                  <p:childTnLst>
+                                    <p:set>
+                                      <p:cBhvr>
+                                        <p:cTn id="11" dur="1" fill="hold">
+                                          <p:stCondLst>
+                                            <p:cond delay="0"/>
+                                          </p:stCondLst>
+                                        </p:cTn>
+                                        <p:tgtEl>
+                                          <p:spTgt spid="17">
+                                            <p:graphicEl>
+                                              <a:dgm id="{7EA54EED-8C04-6A43-9495-8B90F70E9731}"/>
+                                            </p:graphicEl>
+                                          </p:spTgt>
+                                        </p:tgtEl>
+                                        <p:attrNameLst>
+                                          <p:attrName>style.visibility</p:attrName>
+                                        </p:attrNameLst>
+                                      </p:cBhvr>
+                                      <p:to>
+                                        <p:strVal val="visible"/>
+                                      </p:to>
+                                    </p:set>
+                                    <p:anim calcmode="lin" valueType="num">
+                                      <p:cBhvr>
+                                        <p:cTn id="12" dur="500" fill="hold"/>
+                                        <p:tgtEl>
+                                          <p:spTgt spid="17">
+                                            <p:graphicEl>
+                                              <a:dgm id="{7EA54EED-8C04-6A43-9495-8B90F70E9731}"/>
+                                            </p:graphicEl>
+                                          </p:spTgt>
+                                        </p:tgtEl>
+                                        <p:attrNameLst>
+                                          <p:attrName>ppt_w</p:attrName>
+                                        </p:attrNameLst>
+                                      </p:cBhvr>
+                                      <p:tavLst>
+                                        <p:tav tm="0">
+                                          <p:val>
+                                            <p:fltVal val="0"/>
+                                          </p:val>
+                                        </p:tav>
+                                        <p:tav tm="100000">
+                                          <p:val>
+                                            <p:strVal val="#ppt_w"/>
+                                          </p:val>
+                                        </p:tav>
+                                      </p:tavLst>
+                                    </p:anim>
+                                    <p:anim calcmode="lin" valueType="num">
+                                      <p:cBhvr>
+                                        <p:cTn id="13" dur="500" fill="hold"/>
+                                        <p:tgtEl>
+                                          <p:spTgt spid="17">
+                                            <p:graphicEl>
+                                              <a:dgm id="{7EA54EED-8C04-6A43-9495-8B90F70E9731}"/>
+                                            </p:graphicEl>
+                                          </p:spTgt>
+                                        </p:tgtEl>
+                                        <p:attrNameLst>
+                                          <p:attrName>ppt_h</p:attrName>
+                                        </p:attrNameLst>
+                                      </p:cBhvr>
+                                      <p:tavLst>
+                                        <p:tav tm="0">
+                                          <p:val>
+                                            <p:fltVal val="0"/>
+                                          </p:val>
+                                        </p:tav>
+                                        <p:tav tm="100000">
+                                          <p:val>
+                                            <p:strVal val="#ppt_h"/>
+                                          </p:val>
+                                        </p:tav>
+                                      </p:tavLst>
+                                    </p:anim>
+                                  </p:childTnLst>
+                                </p:cTn>
+                              </p:par>
+                              <p:par>
+                                <p:cTn id="14" presetID="23" presetClass="entr" presetSubtype="16" fill="hold" grpId="0" nodeType="withEffect">
+                                  <p:stCondLst>
+                                    <p:cond delay="0"/>
+                                  </p:stCondLst>
+                                  <p:childTnLst>
+                                    <p:set>
+                                      <p:cBhvr>
+                                        <p:cTn id="15" dur="1" fill="hold">
+                                          <p:stCondLst>
+                                            <p:cond delay="0"/>
+                                          </p:stCondLst>
+                                        </p:cTn>
+                                        <p:tgtEl>
+                                          <p:spTgt spid="17">
+                                            <p:graphicEl>
+                                              <a:dgm id="{28BF58CE-8F84-4845-89BA-F4F08DA9F9B5}"/>
+                                            </p:graphicEl>
+                                          </p:spTgt>
+                                        </p:tgtEl>
+                                        <p:attrNameLst>
+                                          <p:attrName>style.visibility</p:attrName>
+                                        </p:attrNameLst>
+                                      </p:cBhvr>
+                                      <p:to>
+                                        <p:strVal val="visible"/>
+                                      </p:to>
+                                    </p:set>
+                                    <p:anim calcmode="lin" valueType="num">
+                                      <p:cBhvr>
+                                        <p:cTn id="16" dur="500" fill="hold"/>
+                                        <p:tgtEl>
+                                          <p:spTgt spid="17">
+                                            <p:graphicEl>
+                                              <a:dgm id="{28BF58CE-8F84-4845-89BA-F4F08DA9F9B5}"/>
+                                            </p:graphicEl>
+                                          </p:spTgt>
+                                        </p:tgtEl>
+                                        <p:attrNameLst>
+                                          <p:attrName>ppt_w</p:attrName>
+                                        </p:attrNameLst>
+                                      </p:cBhvr>
+                                      <p:tavLst>
+                                        <p:tav tm="0">
+                                          <p:val>
+                                            <p:fltVal val="0"/>
+                                          </p:val>
+                                        </p:tav>
+                                        <p:tav tm="100000">
+                                          <p:val>
+                                            <p:strVal val="#ppt_w"/>
+                                          </p:val>
+                                        </p:tav>
+                                      </p:tavLst>
+                                    </p:anim>
+                                    <p:anim calcmode="lin" valueType="num">
+                                      <p:cBhvr>
+                                        <p:cTn id="17" dur="500" fill="hold"/>
+                                        <p:tgtEl>
+                                          <p:spTgt spid="17">
+                                            <p:graphicEl>
+                                              <a:dgm id="{28BF58CE-8F84-4845-89BA-F4F08DA9F9B5}"/>
+                                            </p:graphicEl>
+                                          </p:spTgt>
+                                        </p:tgtEl>
+                                        <p:attrNameLst>
+                                          <p:attrName>ppt_h</p:attrName>
+                                        </p:attrNameLst>
+                                      </p:cBhvr>
+                                      <p:tavLst>
+                                        <p:tav tm="0">
+                                          <p:val>
+                                            <p:fltVal val="0"/>
+                                          </p:val>
+                                        </p:tav>
+                                        <p:tav tm="100000">
+                                          <p:val>
+                                            <p:strVal val="#ppt_h"/>
+                                          </p:val>
+                                        </p:tav>
+                                      </p:tavLst>
+                                    </p:anim>
+                                  </p:childTnLst>
+                                </p:cTn>
+                              </p:par>
+                              <p:par>
+                                <p:cTn id="18" presetID="23" presetClass="entr" presetSubtype="16" fill="hold" grpId="0" nodeType="withEffect">
+                                  <p:stCondLst>
+                                    <p:cond delay="0"/>
+                                  </p:stCondLst>
+                                  <p:childTnLst>
+                                    <p:set>
+                                      <p:cBhvr>
+                                        <p:cTn id="19" dur="1" fill="hold">
+                                          <p:stCondLst>
+                                            <p:cond delay="0"/>
+                                          </p:stCondLst>
+                                        </p:cTn>
+                                        <p:tgtEl>
+                                          <p:spTgt spid="17">
+                                            <p:graphicEl>
+                                              <a:dgm id="{15FD29EE-93ED-7A4F-8A92-C0C2169BE907}"/>
+                                            </p:graphicEl>
+                                          </p:spTgt>
+                                        </p:tgtEl>
+                                        <p:attrNameLst>
+                                          <p:attrName>style.visibility</p:attrName>
+                                        </p:attrNameLst>
+                                      </p:cBhvr>
+                                      <p:to>
+                                        <p:strVal val="visible"/>
+                                      </p:to>
+                                    </p:set>
+                                    <p:anim calcmode="lin" valueType="num">
+                                      <p:cBhvr>
+                                        <p:cTn id="20" dur="500" fill="hold"/>
+                                        <p:tgtEl>
+                                          <p:spTgt spid="17">
+                                            <p:graphicEl>
+                                              <a:dgm id="{15FD29EE-93ED-7A4F-8A92-C0C2169BE907}"/>
+                                            </p:graphicEl>
+                                          </p:spTgt>
+                                        </p:tgtEl>
+                                        <p:attrNameLst>
+                                          <p:attrName>ppt_w</p:attrName>
+                                        </p:attrNameLst>
+                                      </p:cBhvr>
+                                      <p:tavLst>
+                                        <p:tav tm="0">
+                                          <p:val>
+                                            <p:fltVal val="0"/>
+                                          </p:val>
+                                        </p:tav>
+                                        <p:tav tm="100000">
+                                          <p:val>
+                                            <p:strVal val="#ppt_w"/>
+                                          </p:val>
+                                        </p:tav>
+                                      </p:tavLst>
+                                    </p:anim>
+                                    <p:anim calcmode="lin" valueType="num">
+                                      <p:cBhvr>
+                                        <p:cTn id="21" dur="500" fill="hold"/>
+                                        <p:tgtEl>
+                                          <p:spTgt spid="17">
+                                            <p:graphicEl>
+                                              <a:dgm id="{15FD29EE-93ED-7A4F-8A92-C0C2169BE907}"/>
+                                            </p:graphicEl>
+                                          </p:spTgt>
+                                        </p:tgtEl>
+                                        <p:attrNameLst>
+                                          <p:attrName>ppt_h</p:attrName>
+                                        </p:attrNameLst>
+                                      </p:cBhvr>
+                                      <p:tavLst>
+                                        <p:tav tm="0">
+                                          <p:val>
+                                            <p:fltVal val="0"/>
+                                          </p:val>
+                                        </p:tav>
+                                        <p:tav tm="100000">
+                                          <p:val>
+                                            <p:strVal val="#ppt_h"/>
+                                          </p:val>
+                                        </p:tav>
+                                      </p:tavLst>
+                                    </p:anim>
+                                  </p:childTnLst>
+                                </p:cTn>
+                              </p:par>
+                            </p:childTnLst>
+                          </p:cTn>
+                        </p:par>
+                        <p:par>
+                          <p:cTn id="22" fill="hold">
+                            <p:stCondLst>
+                              <p:cond delay="1000"/>
+                            </p:stCondLst>
+                            <p:childTnLst>
+                              <p:par>
+                                <p:cTn id="23" presetID="23" presetClass="entr" presetSubtype="16" fill="hold" grpId="0" nodeType="afterEffect">
+                                  <p:stCondLst>
+                                    <p:cond delay="0"/>
+                                  </p:stCondLst>
+                                  <p:childTnLst>
+                                    <p:set>
+                                      <p:cBhvr>
+                                        <p:cTn id="24" dur="1" fill="hold">
+                                          <p:stCondLst>
+                                            <p:cond delay="0"/>
+                                          </p:stCondLst>
+                                        </p:cTn>
+                                        <p:tgtEl>
+                                          <p:spTgt spid="17">
+                                            <p:graphicEl>
+                                              <a:dgm id="{0C12EFDD-8AC9-2C41-9B39-BD556B0D54EA}"/>
+                                            </p:graphicEl>
+                                          </p:spTgt>
+                                        </p:tgtEl>
+                                        <p:attrNameLst>
+                                          <p:attrName>style.visibility</p:attrName>
+                                        </p:attrNameLst>
+                                      </p:cBhvr>
+                                      <p:to>
+                                        <p:strVal val="visible"/>
+                                      </p:to>
+                                    </p:set>
+                                    <p:anim calcmode="lin" valueType="num">
+                                      <p:cBhvr>
+                                        <p:cTn id="25" dur="500" fill="hold"/>
+                                        <p:tgtEl>
+                                          <p:spTgt spid="17">
+                                            <p:graphicEl>
+                                              <a:dgm id="{0C12EFDD-8AC9-2C41-9B39-BD556B0D54EA}"/>
+                                            </p:graphicEl>
+                                          </p:spTgt>
+                                        </p:tgtEl>
+                                        <p:attrNameLst>
+                                          <p:attrName>ppt_w</p:attrName>
+                                        </p:attrNameLst>
+                                      </p:cBhvr>
+                                      <p:tavLst>
+                                        <p:tav tm="0">
+                                          <p:val>
+                                            <p:fltVal val="0"/>
+                                          </p:val>
+                                        </p:tav>
+                                        <p:tav tm="100000">
+                                          <p:val>
+                                            <p:strVal val="#ppt_w"/>
+                                          </p:val>
+                                        </p:tav>
+                                      </p:tavLst>
+                                    </p:anim>
+                                    <p:anim calcmode="lin" valueType="num">
+                                      <p:cBhvr>
+                                        <p:cTn id="26" dur="500" fill="hold"/>
+                                        <p:tgtEl>
+                                          <p:spTgt spid="17">
+                                            <p:graphicEl>
+                                              <a:dgm id="{0C12EFDD-8AC9-2C41-9B39-BD556B0D54EA}"/>
+                                            </p:graphicEl>
+                                          </p:spTgt>
+                                        </p:tgtEl>
+                                        <p:attrNameLst>
+                                          <p:attrName>ppt_h</p:attrName>
+                                        </p:attrNameLst>
+                                      </p:cBhvr>
+                                      <p:tavLst>
+                                        <p:tav tm="0">
+                                          <p:val>
+                                            <p:fltVal val="0"/>
+                                          </p:val>
+                                        </p:tav>
+                                        <p:tav tm="100000">
+                                          <p:val>
+                                            <p:strVal val="#ppt_h"/>
+                                          </p:val>
+                                        </p:tav>
+                                      </p:tavLst>
+                                    </p:anim>
+                                  </p:childTnLst>
+                                </p:cTn>
+                              </p:par>
+                              <p:par>
+                                <p:cTn id="27" presetID="23" presetClass="entr" presetSubtype="16" fill="hold" grpId="0" nodeType="withEffect">
+                                  <p:stCondLst>
+                                    <p:cond delay="0"/>
+                                  </p:stCondLst>
+                                  <p:childTnLst>
+                                    <p:set>
+                                      <p:cBhvr>
+                                        <p:cTn id="28" dur="1" fill="hold">
+                                          <p:stCondLst>
+                                            <p:cond delay="0"/>
+                                          </p:stCondLst>
+                                        </p:cTn>
+                                        <p:tgtEl>
+                                          <p:spTgt spid="17">
+                                            <p:graphicEl>
+                                              <a:dgm id="{D7EAB223-8C5E-2E4A-B40F-C94634CFF235}"/>
+                                            </p:graphicEl>
+                                          </p:spTgt>
+                                        </p:tgtEl>
+                                        <p:attrNameLst>
+                                          <p:attrName>style.visibility</p:attrName>
+                                        </p:attrNameLst>
+                                      </p:cBhvr>
+                                      <p:to>
+                                        <p:strVal val="visible"/>
+                                      </p:to>
+                                    </p:set>
+                                    <p:anim calcmode="lin" valueType="num">
+                                      <p:cBhvr>
+                                        <p:cTn id="29" dur="500" fill="hold"/>
+                                        <p:tgtEl>
+                                          <p:spTgt spid="17">
+                                            <p:graphicEl>
+                                              <a:dgm id="{D7EAB223-8C5E-2E4A-B40F-C94634CFF235}"/>
+                                            </p:graphicEl>
+                                          </p:spTgt>
+                                        </p:tgtEl>
+                                        <p:attrNameLst>
+                                          <p:attrName>ppt_w</p:attrName>
+                                        </p:attrNameLst>
+                                      </p:cBhvr>
+                                      <p:tavLst>
+                                        <p:tav tm="0">
+                                          <p:val>
+                                            <p:fltVal val="0"/>
+                                          </p:val>
+                                        </p:tav>
+                                        <p:tav tm="100000">
+                                          <p:val>
+                                            <p:strVal val="#ppt_w"/>
+                                          </p:val>
+                                        </p:tav>
+                                      </p:tavLst>
+                                    </p:anim>
+                                    <p:anim calcmode="lin" valueType="num">
+                                      <p:cBhvr>
+                                        <p:cTn id="30" dur="500" fill="hold"/>
+                                        <p:tgtEl>
+                                          <p:spTgt spid="17">
+                                            <p:graphicEl>
+                                              <a:dgm id="{D7EAB223-8C5E-2E4A-B40F-C94634CFF235}"/>
+                                            </p:graphicEl>
+                                          </p:spTgt>
+                                        </p:tgtEl>
+                                        <p:attrNameLst>
+                                          <p:attrName>ppt_h</p:attrName>
+                                        </p:attrNameLst>
+                                      </p:cBhvr>
+                                      <p:tavLst>
+                                        <p:tav tm="0">
+                                          <p:val>
+                                            <p:fltVal val="0"/>
+                                          </p:val>
+                                        </p:tav>
+                                        <p:tav tm="100000">
+                                          <p:val>
+                                            <p:strVal val="#ppt_h"/>
+                                          </p:val>
+                                        </p:tav>
+                                      </p:tavLst>
+                                    </p:anim>
+                                  </p:childTnLst>
+                                </p:cTn>
+                              </p:par>
+                              <p:par>
+                                <p:cTn id="31" presetID="23" presetClass="entr" presetSubtype="16" fill="hold" grpId="0" nodeType="withEffect">
+                                  <p:stCondLst>
+                                    <p:cond delay="0"/>
+                                  </p:stCondLst>
+                                  <p:childTnLst>
+                                    <p:set>
+                                      <p:cBhvr>
+                                        <p:cTn id="32" dur="1" fill="hold">
+                                          <p:stCondLst>
+                                            <p:cond delay="0"/>
+                                          </p:stCondLst>
+                                        </p:cTn>
+                                        <p:tgtEl>
+                                          <p:spTgt spid="17">
+                                            <p:graphicEl>
+                                              <a:dgm id="{1B2B2334-3C6B-3440-8025-EE58A6886EB1}"/>
+                                            </p:graphicEl>
+                                          </p:spTgt>
+                                        </p:tgtEl>
+                                        <p:attrNameLst>
+                                          <p:attrName>style.visibility</p:attrName>
+                                        </p:attrNameLst>
+                                      </p:cBhvr>
+                                      <p:to>
+                                        <p:strVal val="visible"/>
+                                      </p:to>
+                                    </p:set>
+                                    <p:anim calcmode="lin" valueType="num">
+                                      <p:cBhvr>
+                                        <p:cTn id="33" dur="500" fill="hold"/>
+                                        <p:tgtEl>
+                                          <p:spTgt spid="17">
+                                            <p:graphicEl>
+                                              <a:dgm id="{1B2B2334-3C6B-3440-8025-EE58A6886EB1}"/>
+                                            </p:graphicEl>
+                                          </p:spTgt>
+                                        </p:tgtEl>
+                                        <p:attrNameLst>
+                                          <p:attrName>ppt_w</p:attrName>
+                                        </p:attrNameLst>
+                                      </p:cBhvr>
+                                      <p:tavLst>
+                                        <p:tav tm="0">
+                                          <p:val>
+                                            <p:fltVal val="0"/>
+                                          </p:val>
+                                        </p:tav>
+                                        <p:tav tm="100000">
+                                          <p:val>
+                                            <p:strVal val="#ppt_w"/>
+                                          </p:val>
+                                        </p:tav>
+                                      </p:tavLst>
+                                    </p:anim>
+                                    <p:anim calcmode="lin" valueType="num">
+                                      <p:cBhvr>
+                                        <p:cTn id="34" dur="500" fill="hold"/>
+                                        <p:tgtEl>
+                                          <p:spTgt spid="17">
+                                            <p:graphicEl>
+                                              <a:dgm id="{1B2B2334-3C6B-3440-8025-EE58A6886EB1}"/>
+                                            </p:graphicEl>
+                                          </p:spTgt>
+                                        </p:tgtEl>
+                                        <p:attrNameLst>
+                                          <p:attrName>ppt_h</p:attrName>
+                                        </p:attrNameLst>
+                                      </p:cBhvr>
+                                      <p:tavLst>
+                                        <p:tav tm="0">
+                                          <p:val>
+                                            <p:fltVal val="0"/>
+                                          </p:val>
+                                        </p:tav>
+                                        <p:tav tm="100000">
+                                          <p:val>
+                                            <p:strVal val="#ppt_h"/>
+                                          </p:val>
+                                        </p:tav>
+                                      </p:tavLst>
+                                    </p:anim>
+                                  </p:childTnLst>
+                                </p:cTn>
+                              </p:par>
+                            </p:childTnLst>
+                          </p:cTn>
+                        </p:par>
+                        <p:par>
+                          <p:cTn id="35" fill="hold">
+                            <p:stCondLst>
+                              <p:cond delay="1500"/>
+                            </p:stCondLst>
+                            <p:childTnLst>
+                              <p:par>
+                                <p:cTn id="36" presetID="23" presetClass="entr" presetSubtype="16" fill="hold" grpId="0" nodeType="afterEffect">
+                                  <p:stCondLst>
+                                    <p:cond delay="0"/>
+                                  </p:stCondLst>
+                                  <p:childTnLst>
+                                    <p:set>
+                                      <p:cBhvr>
+                                        <p:cTn id="37" dur="1" fill="hold">
+                                          <p:stCondLst>
+                                            <p:cond delay="0"/>
+                                          </p:stCondLst>
+                                        </p:cTn>
+                                        <p:tgtEl>
+                                          <p:spTgt spid="17">
+                                            <p:graphicEl>
+                                              <a:dgm id="{2B8E3553-8483-4045-B43E-C363634DBA5D}"/>
+                                            </p:graphicEl>
+                                          </p:spTgt>
+                                        </p:tgtEl>
+                                        <p:attrNameLst>
+                                          <p:attrName>style.visibility</p:attrName>
+                                        </p:attrNameLst>
+                                      </p:cBhvr>
+                                      <p:to>
+                                        <p:strVal val="visible"/>
+                                      </p:to>
+                                    </p:set>
+                                    <p:anim calcmode="lin" valueType="num">
+                                      <p:cBhvr>
+                                        <p:cTn id="38" dur="500" fill="hold"/>
+                                        <p:tgtEl>
+                                          <p:spTgt spid="17">
+                                            <p:graphicEl>
+                                              <a:dgm id="{2B8E3553-8483-4045-B43E-C363634DBA5D}"/>
+                                            </p:graphicEl>
+                                          </p:spTgt>
+                                        </p:tgtEl>
+                                        <p:attrNameLst>
+                                          <p:attrName>ppt_w</p:attrName>
+                                        </p:attrNameLst>
+                                      </p:cBhvr>
+                                      <p:tavLst>
+                                        <p:tav tm="0">
+                                          <p:val>
+                                            <p:fltVal val="0"/>
+                                          </p:val>
+                                        </p:tav>
+                                        <p:tav tm="100000">
+                                          <p:val>
+                                            <p:strVal val="#ppt_w"/>
+                                          </p:val>
+                                        </p:tav>
+                                      </p:tavLst>
+                                    </p:anim>
+                                    <p:anim calcmode="lin" valueType="num">
+                                      <p:cBhvr>
+                                        <p:cTn id="39" dur="500" fill="hold"/>
+                                        <p:tgtEl>
+                                          <p:spTgt spid="17">
+                                            <p:graphicEl>
+                                              <a:dgm id="{2B8E3553-8483-4045-B43E-C363634DBA5D}"/>
+                                            </p:graphicEl>
+                                          </p:spTgt>
+                                        </p:tgtEl>
+                                        <p:attrNameLst>
+                                          <p:attrName>ppt_h</p:attrName>
+                                        </p:attrNameLst>
+                                      </p:cBhvr>
+                                      <p:tavLst>
+                                        <p:tav tm="0">
+                                          <p:val>
+                                            <p:fltVal val="0"/>
+                                          </p:val>
+                                        </p:tav>
+                                        <p:tav tm="100000">
+                                          <p:val>
+                                            <p:strVal val="#ppt_h"/>
+                                          </p:val>
+                                        </p:tav>
+                                      </p:tavLst>
+                                    </p:anim>
+                                  </p:childTnLst>
+                                </p:cTn>
+                              </p:par>
+                              <p:par>
+                                <p:cTn id="40" presetID="23" presetClass="entr" presetSubtype="16" fill="hold" grpId="0" nodeType="withEffect">
+                                  <p:stCondLst>
+                                    <p:cond delay="0"/>
+                                  </p:stCondLst>
+                                  <p:childTnLst>
+                                    <p:set>
+                                      <p:cBhvr>
+                                        <p:cTn id="41" dur="1" fill="hold">
+                                          <p:stCondLst>
+                                            <p:cond delay="0"/>
+                                          </p:stCondLst>
+                                        </p:cTn>
+                                        <p:tgtEl>
+                                          <p:spTgt spid="17">
+                                            <p:graphicEl>
+                                              <a:dgm id="{BECD9D3F-F4F2-F24B-9C00-F02391CB483B}"/>
+                                            </p:graphicEl>
+                                          </p:spTgt>
+                                        </p:tgtEl>
+                                        <p:attrNameLst>
+                                          <p:attrName>style.visibility</p:attrName>
+                                        </p:attrNameLst>
+                                      </p:cBhvr>
+                                      <p:to>
+                                        <p:strVal val="visible"/>
+                                      </p:to>
+                                    </p:set>
+                                    <p:anim calcmode="lin" valueType="num">
+                                      <p:cBhvr>
+                                        <p:cTn id="42" dur="500" fill="hold"/>
+                                        <p:tgtEl>
+                                          <p:spTgt spid="17">
+                                            <p:graphicEl>
+                                              <a:dgm id="{BECD9D3F-F4F2-F24B-9C00-F02391CB483B}"/>
+                                            </p:graphicEl>
+                                          </p:spTgt>
+                                        </p:tgtEl>
+                                        <p:attrNameLst>
+                                          <p:attrName>ppt_w</p:attrName>
+                                        </p:attrNameLst>
+                                      </p:cBhvr>
+                                      <p:tavLst>
+                                        <p:tav tm="0">
+                                          <p:val>
+                                            <p:fltVal val="0"/>
+                                          </p:val>
+                                        </p:tav>
+                                        <p:tav tm="100000">
+                                          <p:val>
+                                            <p:strVal val="#ppt_w"/>
+                                          </p:val>
+                                        </p:tav>
+                                      </p:tavLst>
+                                    </p:anim>
+                                    <p:anim calcmode="lin" valueType="num">
+                                      <p:cBhvr>
+                                        <p:cTn id="43" dur="500" fill="hold"/>
+                                        <p:tgtEl>
+                                          <p:spTgt spid="17">
+                                            <p:graphicEl>
+                                              <a:dgm id="{BECD9D3F-F4F2-F24B-9C00-F02391CB483B}"/>
+                                            </p:graphicEl>
+                                          </p:spTgt>
+                                        </p:tgtEl>
+                                        <p:attrNameLst>
+                                          <p:attrName>ppt_h</p:attrName>
+                                        </p:attrNameLst>
+                                      </p:cBhvr>
+                                      <p:tavLst>
+                                        <p:tav tm="0">
+                                          <p:val>
+                                            <p:fltVal val="0"/>
+                                          </p:val>
+                                        </p:tav>
+                                        <p:tav tm="100000">
+                                          <p:val>
+                                            <p:strVal val="#ppt_h"/>
+                                          </p:val>
+                                        </p:tav>
+                                      </p:tavLst>
+                                    </p:anim>
+                                  </p:childTnLst>
+                                </p:cTn>
+                              </p:par>
+                            </p:childTnLst>
+                          </p:cTn>
+                        </p:par>
+                      </p:childTnLst>
+                    </p:cTn>
+                  </p:par>
+                </p:childTnLst>
+              </p:cTn>
+              <p:prevCondLst>
+                <p:cond evt="onPrev" delay="0">
+                  <p:tgtEl>
+                    <p:sldTgt/>
+                  </p:tgtEl>
+                </p:cond>
+              </p:prevCondLst>
+              <p:nextCondLst>
+                <p:cond evt="onNext" delay="0">
+                  <p:tgtEl>
+                    <p:sldTgt/>
+                  </p:tgtEl>
+                </p:cond>
+              </p:nextCondLst>
+            </p:seq>
+          </p:childTnLst>
+        </p:cTn>
+      </p:par>
+    </p:tnLst>
+    <p:bldLst>
+      <p:bldGraphic spid="17" grpId="0" uiExpand="1">
+        <p:bldSub>
+          <a:bldDgm bld="one"/>
+        </p:bldSub>
+      </p:bldGraphic>
+    </p:bldLst>
+  </p:timing>
 </p:sld>
 </file>
 
@@ -37417,6 +41203,147 @@
   <p:clrMapOvr>
     <a:masterClrMapping/>
   </p:clrMapOvr>
+  <mc:AlternateContent xmlns:mc="http://schemas.openxmlformats.org/markup-compatibility/2006">
+    <mc:Choice xmlns:p14="http://schemas.microsoft.com/office/powerpoint/2010/main" Requires="p14">
+      <p:transition spd="med" p14:dur="700">
+        <p:fade/>
+      </p:transition>
+    </mc:Choice>
+    <mc:Fallback>
+      <p:transition spd="med">
+        <p:fade/>
+      </p:transition>
+    </mc:Fallback>
+  </mc:AlternateContent>
+  <p:timing>
+    <p:tnLst>
+      <p:par>
+        <p:cTn id="1" dur="indefinite" restart="never" nodeType="tmRoot">
+          <p:childTnLst>
+            <p:seq concurrent="1" nextAc="seek">
+              <p:cTn id="2" dur="indefinite" nodeType="mainSeq">
+                <p:childTnLst>
+                  <p:par>
+                    <p:cTn id="3" fill="hold">
+                      <p:stCondLst>
+                        <p:cond delay="indefinite"/>
+                        <p:cond evt="onBegin" delay="0">
+                          <p:tn val="2"/>
+                        </p:cond>
+                      </p:stCondLst>
+                      <p:childTnLst>
+                        <p:par>
+                          <p:cTn id="4" fill="hold">
+                            <p:stCondLst>
+                              <p:cond delay="0"/>
+                            </p:stCondLst>
+                            <p:childTnLst>
+                              <p:par>
+                                <p:cTn id="5" presetID="2" presetClass="entr" presetSubtype="4" fill="hold" grpId="0" nodeType="withEffect">
+                                  <p:stCondLst>
+                                    <p:cond delay="0"/>
+                                  </p:stCondLst>
+                                  <p:childTnLst>
+                                    <p:set>
+                                      <p:cBhvr>
+                                        <p:cTn id="6" dur="1" fill="hold">
+                                          <p:stCondLst>
+                                            <p:cond delay="0"/>
+                                          </p:stCondLst>
+                                        </p:cTn>
+                                        <p:tgtEl>
+                                          <p:spTgt spid="5"/>
+                                        </p:tgtEl>
+                                        <p:attrNameLst>
+                                          <p:attrName>style.visibility</p:attrName>
+                                        </p:attrNameLst>
+                                      </p:cBhvr>
+                                      <p:to>
+                                        <p:strVal val="visible"/>
+                                      </p:to>
+                                    </p:set>
+                                    <p:anim calcmode="lin" valueType="num">
+                                      <p:cBhvr additive="base">
+                                        <p:cTn id="7" dur="500" fill="hold"/>
+                                        <p:tgtEl>
+                                          <p:spTgt spid="5"/>
+                                        </p:tgtEl>
+                                        <p:attrNameLst>
+                                          <p:attrName>ppt_x</p:attrName>
+                                        </p:attrNameLst>
+                                      </p:cBhvr>
+                                      <p:tavLst>
+                                        <p:tav tm="0">
+                                          <p:val>
+                                            <p:strVal val="#ppt_x"/>
+                                          </p:val>
+                                        </p:tav>
+                                        <p:tav tm="100000">
+                                          <p:val>
+                                            <p:strVal val="#ppt_x"/>
+                                          </p:val>
+                                        </p:tav>
+                                      </p:tavLst>
+                                    </p:anim>
+                                    <p:anim calcmode="lin" valueType="num">
+                                      <p:cBhvr additive="base">
+                                        <p:cTn id="8" dur="500" fill="hold"/>
+                                        <p:tgtEl>
+                                          <p:spTgt spid="5"/>
+                                        </p:tgtEl>
+                                        <p:attrNameLst>
+                                          <p:attrName>ppt_y</p:attrName>
+                                        </p:attrNameLst>
+                                      </p:cBhvr>
+                                      <p:tavLst>
+                                        <p:tav tm="0">
+                                          <p:val>
+                                            <p:strVal val="1+#ppt_h/2"/>
+                                          </p:val>
+                                        </p:tav>
+                                        <p:tav tm="100000">
+                                          <p:val>
+                                            <p:strVal val="#ppt_y"/>
+                                          </p:val>
+                                        </p:tav>
+                                      </p:tavLst>
+                                    </p:anim>
+                                  </p:childTnLst>
+                                </p:cTn>
+                              </p:par>
+                            </p:childTnLst>
+                          </p:cTn>
+                        </p:par>
+                      </p:childTnLst>
+                    </p:cTn>
+                  </p:par>
+                </p:childTnLst>
+              </p:cTn>
+              <p:prevCondLst>
+                <p:cond evt="onPrev" delay="0">
+                  <p:tgtEl>
+                    <p:sldTgt/>
+                  </p:tgtEl>
+                </p:cond>
+              </p:prevCondLst>
+              <p:nextCondLst>
+                <p:cond evt="onNext" delay="0">
+                  <p:tgtEl>
+                    <p:sldTgt/>
+                  </p:tgtEl>
+                </p:cond>
+              </p:nextCondLst>
+            </p:seq>
+          </p:childTnLst>
+        </p:cTn>
+      </p:par>
+    </p:tnLst>
+    <p:bldLst>
+      <p:bldGraphic spid="5" grpId="0">
+        <p:bldAsOne/>
+      </p:bldGraphic>
+    </p:bldLst>
+  </p:timing>
 </p:sld>
 </file>
 
@@ -37860,6 +41787,604 @@
   <p:clrMapOvr>
     <a:masterClrMapping/>
   </p:clrMapOvr>
+  <mc:AlternateContent xmlns:mc="http://schemas.openxmlformats.org/markup-compatibility/2006">
+    <mc:Choice xmlns:p14="http://schemas.microsoft.com/office/powerpoint/2010/main" Requires="p14">
+      <p:transition spd="med" p14:dur="700">
+        <p:fade/>
+      </p:transition>
+    </mc:Choice>
+    <mc:Fallback>
+      <p:transition spd="med">
+        <p:fade/>
+      </p:transition>
+    </mc:Fallback>
+  </mc:AlternateContent>
+  <p:timing>
+    <p:tnLst>
+      <p:par>
+        <p:cTn id="1" dur="indefinite" restart="never" nodeType="tmRoot">
+          <p:childTnLst>
+            <p:seq concurrent="1" nextAc="seek">
+              <p:cTn id="2" dur="indefinite" nodeType="mainSeq">
+                <p:childTnLst>
+                  <p:par>
+                    <p:cTn id="3" fill="hold">
+                      <p:stCondLst>
+                        <p:cond delay="indefinite"/>
+                        <p:cond evt="onBegin" delay="0">
+                          <p:tn val="2"/>
+                        </p:cond>
+                      </p:stCondLst>
+                      <p:childTnLst>
+                        <p:par>
+                          <p:cTn id="4" fill="hold">
+                            <p:stCondLst>
+                              <p:cond delay="0"/>
+                            </p:stCondLst>
+                            <p:childTnLst>
+                              <p:par>
+                                <p:cTn id="5" presetID="2" presetClass="entr" presetSubtype="8" fill="hold" grpId="0" nodeType="withEffect">
+                                  <p:stCondLst>
+                                    <p:cond delay="0"/>
+                                  </p:stCondLst>
+                                  <p:childTnLst>
+                                    <p:set>
+                                      <p:cBhvr>
+                                        <p:cTn id="6" dur="1" fill="hold">
+                                          <p:stCondLst>
+                                            <p:cond delay="0"/>
+                                          </p:stCondLst>
+                                        </p:cTn>
+                                        <p:tgtEl>
+                                          <p:spTgt spid="6">
+                                            <p:graphicEl>
+                                              <a:dgm id="{0E3C8600-FB66-7C41-8487-8E6359236A27}"/>
+                                            </p:graphicEl>
+                                          </p:spTgt>
+                                        </p:tgtEl>
+                                        <p:attrNameLst>
+                                          <p:attrName>style.visibility</p:attrName>
+                                        </p:attrNameLst>
+                                      </p:cBhvr>
+                                      <p:to>
+                                        <p:strVal val="visible"/>
+                                      </p:to>
+                                    </p:set>
+                                    <p:anim calcmode="lin" valueType="num">
+                                      <p:cBhvr additive="base">
+                                        <p:cTn id="7" dur="500" fill="hold"/>
+                                        <p:tgtEl>
+                                          <p:spTgt spid="6">
+                                            <p:graphicEl>
+                                              <a:dgm id="{0E3C8600-FB66-7C41-8487-8E6359236A27}"/>
+                                            </p:graphicEl>
+                                          </p:spTgt>
+                                        </p:tgtEl>
+                                        <p:attrNameLst>
+                                          <p:attrName>ppt_x</p:attrName>
+                                        </p:attrNameLst>
+                                      </p:cBhvr>
+                                      <p:tavLst>
+                                        <p:tav tm="0">
+                                          <p:val>
+                                            <p:strVal val="0-#ppt_w/2"/>
+                                          </p:val>
+                                        </p:tav>
+                                        <p:tav tm="100000">
+                                          <p:val>
+                                            <p:strVal val="#ppt_x"/>
+                                          </p:val>
+                                        </p:tav>
+                                      </p:tavLst>
+                                    </p:anim>
+                                    <p:anim calcmode="lin" valueType="num">
+                                      <p:cBhvr additive="base">
+                                        <p:cTn id="8" dur="500" fill="hold"/>
+                                        <p:tgtEl>
+                                          <p:spTgt spid="6">
+                                            <p:graphicEl>
+                                              <a:dgm id="{0E3C8600-FB66-7C41-8487-8E6359236A27}"/>
+                                            </p:graphicEl>
+                                          </p:spTgt>
+                                        </p:tgtEl>
+                                        <p:attrNameLst>
+                                          <p:attrName>ppt_y</p:attrName>
+                                        </p:attrNameLst>
+                                      </p:cBhvr>
+                                      <p:tavLst>
+                                        <p:tav tm="0">
+                                          <p:val>
+                                            <p:strVal val="#ppt_y"/>
+                                          </p:val>
+                                        </p:tav>
+                                        <p:tav tm="100000">
+                                          <p:val>
+                                            <p:strVal val="#ppt_y"/>
+                                          </p:val>
+                                        </p:tav>
+                                      </p:tavLst>
+                                    </p:anim>
+                                  </p:childTnLst>
+                                </p:cTn>
+                              </p:par>
+                              <p:par>
+                                <p:cTn id="9" presetID="2" presetClass="entr" presetSubtype="8" fill="hold" grpId="0" nodeType="withEffect">
+                                  <p:stCondLst>
+                                    <p:cond delay="0"/>
+                                  </p:stCondLst>
+                                  <p:childTnLst>
+                                    <p:set>
+                                      <p:cBhvr>
+                                        <p:cTn id="10" dur="1" fill="hold">
+                                          <p:stCondLst>
+                                            <p:cond delay="0"/>
+                                          </p:stCondLst>
+                                        </p:cTn>
+                                        <p:tgtEl>
+                                          <p:spTgt spid="6">
+                                            <p:graphicEl>
+                                              <a:dgm id="{92B72DA1-E869-AD46-865A-FC1D46AA8DE7}"/>
+                                            </p:graphicEl>
+                                          </p:spTgt>
+                                        </p:tgtEl>
+                                        <p:attrNameLst>
+                                          <p:attrName>style.visibility</p:attrName>
+                                        </p:attrNameLst>
+                                      </p:cBhvr>
+                                      <p:to>
+                                        <p:strVal val="visible"/>
+                                      </p:to>
+                                    </p:set>
+                                    <p:anim calcmode="lin" valueType="num">
+                                      <p:cBhvr additive="base">
+                                        <p:cTn id="11" dur="500" fill="hold"/>
+                                        <p:tgtEl>
+                                          <p:spTgt spid="6">
+                                            <p:graphicEl>
+                                              <a:dgm id="{92B72DA1-E869-AD46-865A-FC1D46AA8DE7}"/>
+                                            </p:graphicEl>
+                                          </p:spTgt>
+                                        </p:tgtEl>
+                                        <p:attrNameLst>
+                                          <p:attrName>ppt_x</p:attrName>
+                                        </p:attrNameLst>
+                                      </p:cBhvr>
+                                      <p:tavLst>
+                                        <p:tav tm="0">
+                                          <p:val>
+                                            <p:strVal val="0-#ppt_w/2"/>
+                                          </p:val>
+                                        </p:tav>
+                                        <p:tav tm="100000">
+                                          <p:val>
+                                            <p:strVal val="#ppt_x"/>
+                                          </p:val>
+                                        </p:tav>
+                                      </p:tavLst>
+                                    </p:anim>
+                                    <p:anim calcmode="lin" valueType="num">
+                                      <p:cBhvr additive="base">
+                                        <p:cTn id="12" dur="500" fill="hold"/>
+                                        <p:tgtEl>
+                                          <p:spTgt spid="6">
+                                            <p:graphicEl>
+                                              <a:dgm id="{92B72DA1-E869-AD46-865A-FC1D46AA8DE7}"/>
+                                            </p:graphicEl>
+                                          </p:spTgt>
+                                        </p:tgtEl>
+                                        <p:attrNameLst>
+                                          <p:attrName>ppt_y</p:attrName>
+                                        </p:attrNameLst>
+                                      </p:cBhvr>
+                                      <p:tavLst>
+                                        <p:tav tm="0">
+                                          <p:val>
+                                            <p:strVal val="#ppt_y"/>
+                                          </p:val>
+                                        </p:tav>
+                                        <p:tav tm="100000">
+                                          <p:val>
+                                            <p:strVal val="#ppt_y"/>
+                                          </p:val>
+                                        </p:tav>
+                                      </p:tavLst>
+                                    </p:anim>
+                                  </p:childTnLst>
+                                </p:cTn>
+                              </p:par>
+                            </p:childTnLst>
+                          </p:cTn>
+                        </p:par>
+                        <p:par>
+                          <p:cTn id="13" fill="hold">
+                            <p:stCondLst>
+                              <p:cond delay="500"/>
+                            </p:stCondLst>
+                            <p:childTnLst>
+                              <p:par>
+                                <p:cTn id="14" presetID="2" presetClass="entr" presetSubtype="8" fill="hold" grpId="0" nodeType="afterEffect">
+                                  <p:stCondLst>
+                                    <p:cond delay="0"/>
+                                  </p:stCondLst>
+                                  <p:childTnLst>
+                                    <p:set>
+                                      <p:cBhvr>
+                                        <p:cTn id="15" dur="1" fill="hold">
+                                          <p:stCondLst>
+                                            <p:cond delay="0"/>
+                                          </p:stCondLst>
+                                        </p:cTn>
+                                        <p:tgtEl>
+                                          <p:spTgt spid="6">
+                                            <p:graphicEl>
+                                              <a:dgm id="{7259D963-8E83-9342-BF34-931BD578C89B}"/>
+                                            </p:graphicEl>
+                                          </p:spTgt>
+                                        </p:tgtEl>
+                                        <p:attrNameLst>
+                                          <p:attrName>style.visibility</p:attrName>
+                                        </p:attrNameLst>
+                                      </p:cBhvr>
+                                      <p:to>
+                                        <p:strVal val="visible"/>
+                                      </p:to>
+                                    </p:set>
+                                    <p:anim calcmode="lin" valueType="num">
+                                      <p:cBhvr additive="base">
+                                        <p:cTn id="16" dur="500" fill="hold"/>
+                                        <p:tgtEl>
+                                          <p:spTgt spid="6">
+                                            <p:graphicEl>
+                                              <a:dgm id="{7259D963-8E83-9342-BF34-931BD578C89B}"/>
+                                            </p:graphicEl>
+                                          </p:spTgt>
+                                        </p:tgtEl>
+                                        <p:attrNameLst>
+                                          <p:attrName>ppt_x</p:attrName>
+                                        </p:attrNameLst>
+                                      </p:cBhvr>
+                                      <p:tavLst>
+                                        <p:tav tm="0">
+                                          <p:val>
+                                            <p:strVal val="0-#ppt_w/2"/>
+                                          </p:val>
+                                        </p:tav>
+                                        <p:tav tm="100000">
+                                          <p:val>
+                                            <p:strVal val="#ppt_x"/>
+                                          </p:val>
+                                        </p:tav>
+                                      </p:tavLst>
+                                    </p:anim>
+                                    <p:anim calcmode="lin" valueType="num">
+                                      <p:cBhvr additive="base">
+                                        <p:cTn id="17" dur="500" fill="hold"/>
+                                        <p:tgtEl>
+                                          <p:spTgt spid="6">
+                                            <p:graphicEl>
+                                              <a:dgm id="{7259D963-8E83-9342-BF34-931BD578C89B}"/>
+                                            </p:graphicEl>
+                                          </p:spTgt>
+                                        </p:tgtEl>
+                                        <p:attrNameLst>
+                                          <p:attrName>ppt_y</p:attrName>
+                                        </p:attrNameLst>
+                                      </p:cBhvr>
+                                      <p:tavLst>
+                                        <p:tav tm="0">
+                                          <p:val>
+                                            <p:strVal val="#ppt_y"/>
+                                          </p:val>
+                                        </p:tav>
+                                        <p:tav tm="100000">
+                                          <p:val>
+                                            <p:strVal val="#ppt_y"/>
+                                          </p:val>
+                                        </p:tav>
+                                      </p:tavLst>
+                                    </p:anim>
+                                  </p:childTnLst>
+                                </p:cTn>
+                              </p:par>
+                              <p:par>
+                                <p:cTn id="18" presetID="2" presetClass="entr" presetSubtype="8" fill="hold" grpId="0" nodeType="withEffect">
+                                  <p:stCondLst>
+                                    <p:cond delay="0"/>
+                                  </p:stCondLst>
+                                  <p:childTnLst>
+                                    <p:set>
+                                      <p:cBhvr>
+                                        <p:cTn id="19" dur="1" fill="hold">
+                                          <p:stCondLst>
+                                            <p:cond delay="0"/>
+                                          </p:stCondLst>
+                                        </p:cTn>
+                                        <p:tgtEl>
+                                          <p:spTgt spid="6">
+                                            <p:graphicEl>
+                                              <a:dgm id="{CF0670FF-82FC-814B-BB83-CAEB11C29E60}"/>
+                                            </p:graphicEl>
+                                          </p:spTgt>
+                                        </p:tgtEl>
+                                        <p:attrNameLst>
+                                          <p:attrName>style.visibility</p:attrName>
+                                        </p:attrNameLst>
+                                      </p:cBhvr>
+                                      <p:to>
+                                        <p:strVal val="visible"/>
+                                      </p:to>
+                                    </p:set>
+                                    <p:anim calcmode="lin" valueType="num">
+                                      <p:cBhvr additive="base">
+                                        <p:cTn id="20" dur="500" fill="hold"/>
+                                        <p:tgtEl>
+                                          <p:spTgt spid="6">
+                                            <p:graphicEl>
+                                              <a:dgm id="{CF0670FF-82FC-814B-BB83-CAEB11C29E60}"/>
+                                            </p:graphicEl>
+                                          </p:spTgt>
+                                        </p:tgtEl>
+                                        <p:attrNameLst>
+                                          <p:attrName>ppt_x</p:attrName>
+                                        </p:attrNameLst>
+                                      </p:cBhvr>
+                                      <p:tavLst>
+                                        <p:tav tm="0">
+                                          <p:val>
+                                            <p:strVal val="0-#ppt_w/2"/>
+                                          </p:val>
+                                        </p:tav>
+                                        <p:tav tm="100000">
+                                          <p:val>
+                                            <p:strVal val="#ppt_x"/>
+                                          </p:val>
+                                        </p:tav>
+                                      </p:tavLst>
+                                    </p:anim>
+                                    <p:anim calcmode="lin" valueType="num">
+                                      <p:cBhvr additive="base">
+                                        <p:cTn id="21" dur="500" fill="hold"/>
+                                        <p:tgtEl>
+                                          <p:spTgt spid="6">
+                                            <p:graphicEl>
+                                              <a:dgm id="{CF0670FF-82FC-814B-BB83-CAEB11C29E60}"/>
+                                            </p:graphicEl>
+                                          </p:spTgt>
+                                        </p:tgtEl>
+                                        <p:attrNameLst>
+                                          <p:attrName>ppt_y</p:attrName>
+                                        </p:attrNameLst>
+                                      </p:cBhvr>
+                                      <p:tavLst>
+                                        <p:tav tm="0">
+                                          <p:val>
+                                            <p:strVal val="#ppt_y"/>
+                                          </p:val>
+                                        </p:tav>
+                                        <p:tav tm="100000">
+                                          <p:val>
+                                            <p:strVal val="#ppt_y"/>
+                                          </p:val>
+                                        </p:tav>
+                                      </p:tavLst>
+                                    </p:anim>
+                                  </p:childTnLst>
+                                </p:cTn>
+                              </p:par>
+                            </p:childTnLst>
+                          </p:cTn>
+                        </p:par>
+                        <p:par>
+                          <p:cTn id="22" fill="hold">
+                            <p:stCondLst>
+                              <p:cond delay="1000"/>
+                            </p:stCondLst>
+                            <p:childTnLst>
+                              <p:par>
+                                <p:cTn id="23" presetID="2" presetClass="entr" presetSubtype="8" fill="hold" grpId="0" nodeType="afterEffect">
+                                  <p:stCondLst>
+                                    <p:cond delay="0"/>
+                                  </p:stCondLst>
+                                  <p:childTnLst>
+                                    <p:set>
+                                      <p:cBhvr>
+                                        <p:cTn id="24" dur="1" fill="hold">
+                                          <p:stCondLst>
+                                            <p:cond delay="0"/>
+                                          </p:stCondLst>
+                                        </p:cTn>
+                                        <p:tgtEl>
+                                          <p:spTgt spid="6">
+                                            <p:graphicEl>
+                                              <a:dgm id="{B191F220-A0D6-CF42-B26C-1A747FA0DCBD}"/>
+                                            </p:graphicEl>
+                                          </p:spTgt>
+                                        </p:tgtEl>
+                                        <p:attrNameLst>
+                                          <p:attrName>style.visibility</p:attrName>
+                                        </p:attrNameLst>
+                                      </p:cBhvr>
+                                      <p:to>
+                                        <p:strVal val="visible"/>
+                                      </p:to>
+                                    </p:set>
+                                    <p:anim calcmode="lin" valueType="num">
+                                      <p:cBhvr additive="base">
+                                        <p:cTn id="25" dur="500" fill="hold"/>
+                                        <p:tgtEl>
+                                          <p:spTgt spid="6">
+                                            <p:graphicEl>
+                                              <a:dgm id="{B191F220-A0D6-CF42-B26C-1A747FA0DCBD}"/>
+                                            </p:graphicEl>
+                                          </p:spTgt>
+                                        </p:tgtEl>
+                                        <p:attrNameLst>
+                                          <p:attrName>ppt_x</p:attrName>
+                                        </p:attrNameLst>
+                                      </p:cBhvr>
+                                      <p:tavLst>
+                                        <p:tav tm="0">
+                                          <p:val>
+                                            <p:strVal val="0-#ppt_w/2"/>
+                                          </p:val>
+                                        </p:tav>
+                                        <p:tav tm="100000">
+                                          <p:val>
+                                            <p:strVal val="#ppt_x"/>
+                                          </p:val>
+                                        </p:tav>
+                                      </p:tavLst>
+                                    </p:anim>
+                                    <p:anim calcmode="lin" valueType="num">
+                                      <p:cBhvr additive="base">
+                                        <p:cTn id="26" dur="500" fill="hold"/>
+                                        <p:tgtEl>
+                                          <p:spTgt spid="6">
+                                            <p:graphicEl>
+                                              <a:dgm id="{B191F220-A0D6-CF42-B26C-1A747FA0DCBD}"/>
+                                            </p:graphicEl>
+                                          </p:spTgt>
+                                        </p:tgtEl>
+                                        <p:attrNameLst>
+                                          <p:attrName>ppt_y</p:attrName>
+                                        </p:attrNameLst>
+                                      </p:cBhvr>
+                                      <p:tavLst>
+                                        <p:tav tm="0">
+                                          <p:val>
+                                            <p:strVal val="#ppt_y"/>
+                                          </p:val>
+                                        </p:tav>
+                                        <p:tav tm="100000">
+                                          <p:val>
+                                            <p:strVal val="#ppt_y"/>
+                                          </p:val>
+                                        </p:tav>
+                                      </p:tavLst>
+                                    </p:anim>
+                                  </p:childTnLst>
+                                </p:cTn>
+                              </p:par>
+                              <p:par>
+                                <p:cTn id="27" presetID="2" presetClass="entr" presetSubtype="8" fill="hold" grpId="0" nodeType="withEffect">
+                                  <p:stCondLst>
+                                    <p:cond delay="0"/>
+                                  </p:stCondLst>
+                                  <p:childTnLst>
+                                    <p:set>
+                                      <p:cBhvr>
+                                        <p:cTn id="28" dur="1" fill="hold">
+                                          <p:stCondLst>
+                                            <p:cond delay="0"/>
+                                          </p:stCondLst>
+                                        </p:cTn>
+                                        <p:tgtEl>
+                                          <p:spTgt spid="6">
+                                            <p:graphicEl>
+                                              <a:dgm id="{3FA47E3B-899D-684A-89DD-DED37ED032AC}"/>
+                                            </p:graphicEl>
+                                          </p:spTgt>
+                                        </p:tgtEl>
+                                        <p:attrNameLst>
+                                          <p:attrName>style.visibility</p:attrName>
+                                        </p:attrNameLst>
+                                      </p:cBhvr>
+                                      <p:to>
+                                        <p:strVal val="visible"/>
+                                      </p:to>
+                                    </p:set>
+                                    <p:anim calcmode="lin" valueType="num">
+                                      <p:cBhvr additive="base">
+                                        <p:cTn id="29" dur="500" fill="hold"/>
+                                        <p:tgtEl>
+                                          <p:spTgt spid="6">
+                                            <p:graphicEl>
+                                              <a:dgm id="{3FA47E3B-899D-684A-89DD-DED37ED032AC}"/>
+                                            </p:graphicEl>
+                                          </p:spTgt>
+                                        </p:tgtEl>
+                                        <p:attrNameLst>
+                                          <p:attrName>ppt_x</p:attrName>
+                                        </p:attrNameLst>
+                                      </p:cBhvr>
+                                      <p:tavLst>
+                                        <p:tav tm="0">
+                                          <p:val>
+                                            <p:strVal val="0-#ppt_w/2"/>
+                                          </p:val>
+                                        </p:tav>
+                                        <p:tav tm="100000">
+                                          <p:val>
+                                            <p:strVal val="#ppt_x"/>
+                                          </p:val>
+                                        </p:tav>
+                                      </p:tavLst>
+                                    </p:anim>
+                                    <p:anim calcmode="lin" valueType="num">
+                                      <p:cBhvr additive="base">
+                                        <p:cTn id="30" dur="500" fill="hold"/>
+                                        <p:tgtEl>
+                                          <p:spTgt spid="6">
+                                            <p:graphicEl>
+                                              <a:dgm id="{3FA47E3B-899D-684A-89DD-DED37ED032AC}"/>
+                                            </p:graphicEl>
+                                          </p:spTgt>
+                                        </p:tgtEl>
+                                        <p:attrNameLst>
+                                          <p:attrName>ppt_y</p:attrName>
+                                        </p:attrNameLst>
+                                      </p:cBhvr>
+                                      <p:tavLst>
+                                        <p:tav tm="0">
+                                          <p:val>
+                                            <p:strVal val="#ppt_y"/>
+                                          </p:val>
+                                        </p:tav>
+                                        <p:tav tm="100000">
+                                          <p:val>
+                                            <p:strVal val="#ppt_y"/>
+                                          </p:val>
+                                        </p:tav>
+                                      </p:tavLst>
+                                    </p:anim>
+                                  </p:childTnLst>
+                                </p:cTn>
+                              </p:par>
+                            </p:childTnLst>
+                          </p:cTn>
+                        </p:par>
+                      </p:childTnLst>
+                    </p:cTn>
+                  </p:par>
+                </p:childTnLst>
+              </p:cTn>
+              <p:prevCondLst>
+                <p:cond evt="onPrev" delay="0">
+                  <p:tgtEl>
+                    <p:sldTgt/>
+                  </p:tgtEl>
+                </p:cond>
+              </p:prevCondLst>
+              <p:nextCondLst>
+                <p:cond evt="onNext" delay="0">
+                  <p:tgtEl>
+                    <p:sldTgt/>
+                  </p:tgtEl>
+                </p:cond>
+              </p:nextCondLst>
+            </p:seq>
+          </p:childTnLst>
+        </p:cTn>
+      </p:par>
+    </p:tnLst>
+    <p:bldLst>
+      <p:bldGraphic spid="6" grpId="0" uiExpand="1">
+        <p:bldSub>
+          <a:bldDgm/>
+        </p:bldSub>
+      </p:bldGraphic>
+    </p:bldLst>
+  </p:timing>
 </p:sld>
 </file>
 
